--- a/doc/media/ba_praesentation.pptx
+++ b/doc/media/ba_praesentation.pptx
@@ -4208,8 +4208,17 @@
             </a:pPr>
             <a:r>
               <a:rPr lang="de-CH" dirty="0" smtClean="0"/>
-              <a:t>Noch nicht bekannte Inhalte auf Videowall darstellen</a:t>
-            </a:r>
+              <a:t>App laden/initialisieren, Extension</a:t>
+            </a:r>
+            <a:r>
+              <a:rPr lang="de-CH" baseline="0" dirty="0" smtClean="0"/>
+              <a:t> Directory = Pfad zu </a:t>
+            </a:r>
+            <a:r>
+              <a:rPr lang="de-CH" baseline="0" dirty="0" err="1" smtClean="0"/>
+              <a:t>Plug-in</a:t>
+            </a:r>
+            <a:endParaRPr lang="de-CH" baseline="0" dirty="0" smtClean="0"/>
           </a:p>
           <a:p>
             <a:pPr marL="0" marR="0" indent="0" algn="l" defTabSz="914400" rtl="0" eaLnBrk="1" fontAlgn="auto" latinLnBrk="0" hangingPunct="1">
@@ -4230,12 +4239,154 @@
               <a:defRPr/>
             </a:pPr>
             <a:r>
-              <a:rPr lang="de-CH" dirty="0" smtClean="0"/>
-              <a:t>Demonstration Machbarkeit</a:t>
-            </a:r>
-          </a:p>
-          <a:p>
-            <a:endParaRPr lang="de-CH" dirty="0"/>
+              <a:rPr lang="de-CH" baseline="0" dirty="0" smtClean="0"/>
+              <a:t>Extension Manager mit MEF (</a:t>
+            </a:r>
+            <a:r>
+              <a:rPr lang="de-CH" baseline="0" dirty="0" err="1" smtClean="0"/>
+              <a:t>Managed</a:t>
+            </a:r>
+            <a:r>
+              <a:rPr lang="de-CH" baseline="0" dirty="0" smtClean="0"/>
+              <a:t> </a:t>
+            </a:r>
+            <a:r>
+              <a:rPr lang="de-CH" baseline="0" dirty="0" err="1" smtClean="0"/>
+              <a:t>Extensiblity</a:t>
+            </a:r>
+            <a:r>
+              <a:rPr lang="de-CH" baseline="0" dirty="0" smtClean="0"/>
+              <a:t> Framework)</a:t>
+            </a:r>
+          </a:p>
+          <a:p>
+            <a:pPr marL="0" marR="0" indent="0" algn="l" defTabSz="914400" rtl="0" eaLnBrk="1" fontAlgn="auto" latinLnBrk="0" hangingPunct="1">
+              <a:lnSpc>
+                <a:spcPct val="100000"/>
+              </a:lnSpc>
+              <a:spcBef>
+                <a:spcPts val="0"/>
+              </a:spcBef>
+              <a:spcAft>
+                <a:spcPts val="0"/>
+              </a:spcAft>
+              <a:buClrTx/>
+              <a:buSzTx/>
+              <a:buFontTx/>
+              <a:buNone/>
+              <a:tabLst/>
+              <a:defRPr/>
+            </a:pPr>
+            <a:r>
+              <a:rPr lang="de-CH" baseline="0" dirty="0" smtClean="0"/>
+              <a:t>App benötigt Service, z.B. File Service</a:t>
+            </a:r>
+          </a:p>
+          <a:p>
+            <a:pPr marL="0" marR="0" indent="0" algn="l" defTabSz="914400" rtl="0" eaLnBrk="1" fontAlgn="auto" latinLnBrk="0" hangingPunct="1">
+              <a:lnSpc>
+                <a:spcPct val="100000"/>
+              </a:lnSpc>
+              <a:spcBef>
+                <a:spcPts val="0"/>
+              </a:spcBef>
+              <a:spcAft>
+                <a:spcPts val="0"/>
+              </a:spcAft>
+              <a:buClrTx/>
+              <a:buSzTx/>
+              <a:buFontTx/>
+              <a:buNone/>
+              <a:tabLst/>
+              <a:defRPr/>
+            </a:pPr>
+            <a:r>
+              <a:rPr lang="de-CH" baseline="0" dirty="0" err="1" smtClean="0"/>
+              <a:t>AppController</a:t>
+            </a:r>
+            <a:r>
+              <a:rPr lang="de-CH" baseline="0" dirty="0" smtClean="0"/>
+              <a:t> aktiviert App mittels </a:t>
+            </a:r>
+            <a:r>
+              <a:rPr lang="de-CH" baseline="0" dirty="0" err="1" smtClean="0"/>
+              <a:t>VideoWallServiceProvider</a:t>
+            </a:r>
+            <a:r>
+              <a:rPr lang="de-CH" baseline="0" dirty="0" smtClean="0"/>
+              <a:t>. App ist erst lauffähig wenn es die entsprechenden Services vom Service Provider bekommt.</a:t>
+            </a:r>
+          </a:p>
+          <a:p>
+            <a:pPr marL="0" marR="0" indent="0" algn="l" defTabSz="914400" rtl="0" eaLnBrk="1" fontAlgn="auto" latinLnBrk="0" hangingPunct="1">
+              <a:lnSpc>
+                <a:spcPct val="100000"/>
+              </a:lnSpc>
+              <a:spcBef>
+                <a:spcPts val="0"/>
+              </a:spcBef>
+              <a:spcAft>
+                <a:spcPts val="0"/>
+              </a:spcAft>
+              <a:buClrTx/>
+              <a:buSzTx/>
+              <a:buFontTx/>
+              <a:buNone/>
+              <a:tabLst/>
+              <a:defRPr/>
+            </a:pPr>
+            <a:r>
+              <a:rPr lang="de-CH" baseline="0" dirty="0" err="1" smtClean="0"/>
+              <a:t>IApp</a:t>
+            </a:r>
+            <a:r>
+              <a:rPr lang="de-CH" baseline="0" dirty="0" smtClean="0"/>
+              <a:t> gibt über </a:t>
+            </a:r>
+            <a:r>
+              <a:rPr lang="de-CH" baseline="0" dirty="0" err="1" smtClean="0"/>
+              <a:t>GetExtension</a:t>
+            </a:r>
+            <a:r>
+              <a:rPr lang="de-CH" baseline="0" dirty="0" smtClean="0"/>
+              <a:t> an welchen Service es benötigt.</a:t>
+            </a:r>
+          </a:p>
+          <a:p>
+            <a:pPr marL="0" marR="0" indent="0" algn="l" defTabSz="914400" rtl="0" eaLnBrk="1" fontAlgn="auto" latinLnBrk="0" hangingPunct="1">
+              <a:lnSpc>
+                <a:spcPct val="100000"/>
+              </a:lnSpc>
+              <a:spcBef>
+                <a:spcPts val="0"/>
+              </a:spcBef>
+              <a:spcAft>
+                <a:spcPts val="0"/>
+              </a:spcAft>
+              <a:buClrTx/>
+              <a:buSzTx/>
+              <a:buFontTx/>
+              <a:buNone/>
+              <a:tabLst/>
+              <a:defRPr/>
+            </a:pPr>
+            <a:r>
+              <a:rPr lang="de-CH" baseline="0" dirty="0" smtClean="0"/>
+              <a:t>Durch </a:t>
+            </a:r>
+            <a:r>
+              <a:rPr lang="de-CH" baseline="0" dirty="0" err="1" smtClean="0"/>
+              <a:t>Unity</a:t>
+            </a:r>
+            <a:r>
+              <a:rPr lang="de-CH" baseline="0" dirty="0" smtClean="0"/>
+              <a:t> wurden </a:t>
+            </a:r>
+            <a:r>
+              <a:rPr lang="de-CH" baseline="0" smtClean="0"/>
+              <a:t>Services registriert.</a:t>
+            </a:r>
+            <a:endParaRPr lang="de-CH" baseline="0" dirty="0" smtClean="0"/>
           </a:p>
         </p:txBody>
       </p:sp>
@@ -4806,12 +4957,12 @@
               <a:t>Konfiguration, Spezifikation </a:t>
             </a:r>
             <a:r>
-              <a:rPr lang="de-CH" dirty="0" err="1" smtClean="0"/>
-              <a:t>Vidowall</a:t>
-            </a:r>
-            <a:r>
               <a:rPr lang="de-CH" dirty="0" smtClean="0"/>
-              <a:t> HW + Experimente, Poster Studie, Lesbarkeit, Konfiguration Videowall 3x3, </a:t>
+              <a:t>Videowall </a:t>
+            </a:r>
+            <a:r>
+              <a:rPr lang="de-CH" dirty="0" smtClean="0"/>
+              <a:t>HW + Experimente, Poster Studie, Lesbarkeit, Konfiguration Videowall 3x3, </a:t>
             </a:r>
             <a:r>
               <a:rPr lang="de-CH" dirty="0" smtClean="0"/>

--- a/doc/media/ba_praesentation.pptx
+++ b/doc/media/ba_praesentation.pptx
@@ -3085,7 +3085,7 @@
           <a:p>
             <a:fld id="{5F9A2183-D90D-4B3F-BB63-9657262DF432}" type="datetimeFigureOut">
               <a:rPr lang="de-CH" smtClean="0"/>
-              <a:t>08.08.2012</a:t>
+              <a:t>09.08.2012</a:t>
             </a:fld>
             <a:endParaRPr lang="de-CH"/>
           </a:p>
@@ -3244,7 +3244,7 @@
           <a:p>
             <a:fld id="{B5CD40D4-7ADD-47E5-8096-FC0CE802AD73}" type="slidenum">
               <a:rPr lang="de-CH" smtClean="0"/>
-              <a:t>‹Nr.›</a:t>
+              <a:t>‹#›</a:t>
             </a:fld>
             <a:endParaRPr lang="de-CH"/>
           </a:p>
@@ -3665,7 +3665,6 @@
               <a:rPr lang="de-CH" dirty="0" smtClean="0"/>
               <a:t>Lukas</a:t>
             </a:r>
-            <a:endParaRPr lang="de-CH" dirty="0" smtClean="0"/>
           </a:p>
         </p:txBody>
       </p:sp>
@@ -4474,6 +4473,73 @@
               <a:rPr lang="de-CH" dirty="0" smtClean="0"/>
               <a:t>Delia</a:t>
             </a:r>
+          </a:p>
+          <a:p>
+            <a:endParaRPr lang="de-CH" dirty="0" smtClean="0"/>
+          </a:p>
+          <a:p>
+            <a:r>
+              <a:rPr lang="de-CH" dirty="0" smtClean="0"/>
+              <a:t>Viele verschiedene Bereiche</a:t>
+            </a:r>
+          </a:p>
+          <a:p>
+            <a:r>
+              <a:rPr lang="de-CH" dirty="0" smtClean="0"/>
+              <a:t>HW / SW Evaluation</a:t>
+            </a:r>
+          </a:p>
+          <a:p>
+            <a:pPr lvl="1"/>
+            <a:r>
+              <a:rPr lang="de-CH" dirty="0" smtClean="0"/>
+              <a:t>Viele Monitore, hohe Auflösung mit WPF</a:t>
+            </a:r>
+          </a:p>
+          <a:p>
+            <a:pPr lvl="1"/>
+            <a:r>
+              <a:rPr lang="de-CH" dirty="0" smtClean="0"/>
+              <a:t>Grafikkarten Konfiguration</a:t>
+            </a:r>
+          </a:p>
+          <a:p>
+            <a:r>
+              <a:rPr lang="de-CH" dirty="0" smtClean="0"/>
+              <a:t>Neues Interaktionskonzept mit Kinect</a:t>
+            </a:r>
+          </a:p>
+          <a:p>
+            <a:r>
+              <a:rPr lang="de-CH" dirty="0" smtClean="0"/>
+              <a:t>Software Engineering VS </a:t>
+            </a:r>
+            <a:r>
+              <a:rPr lang="de-CH" dirty="0" err="1" smtClean="0"/>
+              <a:t>Prototyping</a:t>
+            </a:r>
+            <a:endParaRPr lang="de-CH" dirty="0" smtClean="0"/>
+          </a:p>
+          <a:p>
+            <a:r>
+              <a:rPr lang="de-CH" dirty="0" smtClean="0"/>
+              <a:t>Dokumentation</a:t>
+            </a:r>
+          </a:p>
+          <a:p>
+            <a:pPr lvl="1"/>
+            <a:r>
+              <a:rPr lang="de-CH" dirty="0" smtClean="0"/>
+              <a:t>Z.B. Demomodus Ideen dokumentiert</a:t>
+            </a:r>
+          </a:p>
+          <a:p>
+            <a:r>
+              <a:rPr lang="de-CH" smtClean="0"/>
+              <a:t>Viele Personen &amp; Meinungen</a:t>
+            </a:r>
+          </a:p>
+          <a:p>
             <a:endParaRPr lang="de-CH" dirty="0"/>
           </a:p>
         </p:txBody>
@@ -4929,11 +4995,7 @@
             </a:r>
             <a:r>
               <a:rPr lang="de-CH" dirty="0" smtClean="0"/>
-              <a:t> &amp; </a:t>
-            </a:r>
-            <a:r>
-              <a:rPr lang="de-CH" dirty="0" smtClean="0"/>
-              <a:t>Szenarien, Kinect, Interaktionstechniken</a:t>
+              <a:t> &amp; Szenarien, Kinect, Interaktionstechniken</a:t>
             </a:r>
           </a:p>
           <a:p>
@@ -4950,23 +5012,7 @@
             <a:pPr lvl="1"/>
             <a:r>
               <a:rPr lang="de-CH" dirty="0" smtClean="0"/>
-              <a:t>SW/HW </a:t>
-            </a:r>
-            <a:r>
-              <a:rPr lang="de-CH" dirty="0" smtClean="0"/>
-              <a:t>Konfiguration, Spezifikation </a:t>
-            </a:r>
-            <a:r>
-              <a:rPr lang="de-CH" dirty="0" smtClean="0"/>
-              <a:t>Videowall </a:t>
-            </a:r>
-            <a:r>
-              <a:rPr lang="de-CH" dirty="0" smtClean="0"/>
-              <a:t>HW + Experimente, Poster Studie, Lesbarkeit, Konfiguration Videowall 3x3, </a:t>
-            </a:r>
-            <a:r>
-              <a:rPr lang="de-CH" dirty="0" smtClean="0"/>
-              <a:t>…</a:t>
+              <a:t>SW/HW Konfiguration, Spezifikation Videowall HW + Experimente, Poster Studie, Lesbarkeit, Konfiguration Videowall 3x3, …</a:t>
             </a:r>
           </a:p>
           <a:p>
@@ -4976,11 +5022,7 @@
           <a:p>
             <a:r>
               <a:rPr lang="de-CH" dirty="0" smtClean="0"/>
-              <a:t>Wartung: Publisher [Studenten, Sekretariat, Andere], </a:t>
-            </a:r>
-            <a:r>
-              <a:rPr lang="de-CH" dirty="0" smtClean="0"/>
-              <a:t>CMS</a:t>
+              <a:t>Wartung: Publisher [Studenten, Sekretariat, Andere], CMS</a:t>
             </a:r>
           </a:p>
           <a:p>
@@ -6334,7 +6376,7 @@
           <a:p>
             <a:fld id="{6F2A06C8-D356-4E2D-A3FC-A5BA579B68BB}" type="datetime1">
               <a:rPr lang="de-DE" smtClean="0"/>
-              <a:t>08.08.2012</a:t>
+              <a:t>09.08.2012</a:t>
             </a:fld>
             <a:endParaRPr lang="de-DE" dirty="0"/>
           </a:p>
@@ -6400,7 +6442,7 @@
           <a:p>
             <a:fld id="{6C6AE60A-B69C-4790-82F7-3882EDF23186}" type="slidenum">
               <a:rPr lang="de-DE" smtClean="0"/>
-              <a:t>‹Nr.›</a:t>
+              <a:t>‹#›</a:t>
             </a:fld>
             <a:endParaRPr lang="de-DE"/>
           </a:p>
@@ -6541,7 +6583,7 @@
           <a:p>
             <a:fld id="{05742AA1-CEDB-43CB-92DC-F9063507D782}" type="datetime1">
               <a:rPr lang="de-DE" smtClean="0"/>
-              <a:t>08.08.2012</a:t>
+              <a:t>09.08.2012</a:t>
             </a:fld>
             <a:endParaRPr lang="de-DE"/>
           </a:p>
@@ -6591,7 +6633,7 @@
           <a:p>
             <a:fld id="{6C6AE60A-B69C-4790-82F7-3882EDF23186}" type="slidenum">
               <a:rPr lang="de-DE" smtClean="0"/>
-              <a:t>‹Nr.›</a:t>
+              <a:t>‹#›</a:t>
             </a:fld>
             <a:endParaRPr lang="de-DE"/>
           </a:p>
@@ -6730,7 +6772,7 @@
           <a:p>
             <a:fld id="{A8B0B602-BCF7-4DE7-846E-CE7E0F015D53}" type="datetime1">
               <a:rPr lang="de-DE" smtClean="0"/>
-              <a:t>08.08.2012</a:t>
+              <a:t>09.08.2012</a:t>
             </a:fld>
             <a:endParaRPr lang="de-DE"/>
           </a:p>
@@ -6780,7 +6822,7 @@
           <a:p>
             <a:fld id="{6C6AE60A-B69C-4790-82F7-3882EDF23186}" type="slidenum">
               <a:rPr lang="de-DE" smtClean="0"/>
-              <a:t>‹Nr.›</a:t>
+              <a:t>‹#›</a:t>
             </a:fld>
             <a:endParaRPr lang="de-DE"/>
           </a:p>
@@ -6884,7 +6926,7 @@
           <a:p>
             <a:fld id="{9B98BD4D-6BF2-4875-97EF-D5E165ACD66B}" type="datetime1">
               <a:rPr lang="de-DE" smtClean="0"/>
-              <a:t>08.08.2012</a:t>
+              <a:t>09.08.2012</a:t>
             </a:fld>
             <a:endParaRPr lang="de-DE"/>
           </a:p>
@@ -6934,7 +6976,7 @@
           <a:p>
             <a:fld id="{6C6AE60A-B69C-4790-82F7-3882EDF23186}" type="slidenum">
               <a:rPr lang="de-DE" smtClean="0"/>
-              <a:t>‹Nr.›</a:t>
+              <a:t>‹#›</a:t>
             </a:fld>
             <a:endParaRPr lang="de-DE"/>
           </a:p>
@@ -7157,7 +7199,7 @@
           <a:p>
             <a:fld id="{A41B53CD-5114-4059-BA6C-4406A9EA28EE}" type="datetime1">
               <a:rPr lang="de-DE" smtClean="0"/>
-              <a:t>08.08.2012</a:t>
+              <a:t>09.08.2012</a:t>
             </a:fld>
             <a:endParaRPr lang="de-DE"/>
           </a:p>
@@ -7207,7 +7249,7 @@
           <a:p>
             <a:fld id="{6C6AE60A-B69C-4790-82F7-3882EDF23186}" type="slidenum">
               <a:rPr lang="de-DE" smtClean="0"/>
-              <a:t>‹Nr.›</a:t>
+              <a:t>‹#›</a:t>
             </a:fld>
             <a:endParaRPr lang="de-DE"/>
           </a:p>
@@ -7577,7 +7619,7 @@
           <a:p>
             <a:fld id="{93CCBD64-6497-42B6-8412-3D797F93EDAE}" type="datetime1">
               <a:rPr lang="de-DE" smtClean="0"/>
-              <a:t>08.08.2012</a:t>
+              <a:t>09.08.2012</a:t>
             </a:fld>
             <a:endParaRPr lang="de-DE"/>
           </a:p>
@@ -7627,7 +7669,7 @@
           <a:p>
             <a:fld id="{6C6AE60A-B69C-4790-82F7-3882EDF23186}" type="slidenum">
               <a:rPr lang="de-DE" smtClean="0"/>
-              <a:t>‹Nr.›</a:t>
+              <a:t>‹#›</a:t>
             </a:fld>
             <a:endParaRPr lang="de-DE"/>
           </a:p>
@@ -8027,7 +8069,7 @@
           <a:p>
             <a:fld id="{169F4195-6FF7-4858-B281-A8EB06BBD328}" type="datetime1">
               <a:rPr lang="de-DE" smtClean="0"/>
-              <a:t>08.08.2012</a:t>
+              <a:t>09.08.2012</a:t>
             </a:fld>
             <a:endParaRPr lang="de-DE"/>
           </a:p>
@@ -8077,7 +8119,7 @@
           <a:p>
             <a:fld id="{6C6AE60A-B69C-4790-82F7-3882EDF23186}" type="slidenum">
               <a:rPr lang="de-DE" smtClean="0"/>
-              <a:t>‹Nr.›</a:t>
+              <a:t>‹#›</a:t>
             </a:fld>
             <a:endParaRPr lang="de-DE"/>
           </a:p>
@@ -8132,7 +8174,7 @@
           <a:p>
             <a:fld id="{7EF3F7B4-0A67-475F-9F09-AD875216919C}" type="datetime1">
               <a:rPr lang="de-DE" smtClean="0"/>
-              <a:t>08.08.2012</a:t>
+              <a:t>09.08.2012</a:t>
             </a:fld>
             <a:endParaRPr lang="de-DE"/>
           </a:p>
@@ -8182,7 +8224,7 @@
           <a:p>
             <a:fld id="{6C6AE60A-B69C-4790-82F7-3882EDF23186}" type="slidenum">
               <a:rPr lang="de-DE" smtClean="0"/>
-              <a:t>‹Nr.›</a:t>
+              <a:t>‹#›</a:t>
             </a:fld>
             <a:endParaRPr lang="de-DE"/>
           </a:p>
@@ -8257,7 +8299,7 @@
           <a:p>
             <a:fld id="{6C6AE60A-B69C-4790-82F7-3882EDF23186}" type="slidenum">
               <a:rPr lang="de-DE" smtClean="0"/>
-              <a:t>‹Nr.›</a:t>
+              <a:t>‹#›</a:t>
             </a:fld>
             <a:endParaRPr lang="de-DE"/>
           </a:p>
@@ -8492,7 +8534,7 @@
           <a:p>
             <a:fld id="{BA2009A4-99EA-4053-86E0-5C78E3D36413}" type="datetime1">
               <a:rPr lang="de-DE" smtClean="0"/>
-              <a:t>08.08.2012</a:t>
+              <a:t>09.08.2012</a:t>
             </a:fld>
             <a:endParaRPr lang="de-DE"/>
           </a:p>
@@ -8542,7 +8584,7 @@
           <a:p>
             <a:fld id="{6C6AE60A-B69C-4790-82F7-3882EDF23186}" type="slidenum">
               <a:rPr lang="de-DE" smtClean="0"/>
-              <a:t>‹Nr.›</a:t>
+              <a:t>‹#›</a:t>
             </a:fld>
             <a:endParaRPr lang="de-DE"/>
           </a:p>
@@ -8701,7 +8743,7 @@
           <a:p>
             <a:fld id="{F781038A-D4B4-4126-8287-85CF34BA3E41}" type="datetime1">
               <a:rPr lang="de-DE" smtClean="0"/>
-              <a:t>08.08.2012</a:t>
+              <a:t>09.08.2012</a:t>
             </a:fld>
             <a:endParaRPr lang="de-DE"/>
           </a:p>
@@ -8770,7 +8812,7 @@
           <a:p>
             <a:fld id="{6C6AE60A-B69C-4790-82F7-3882EDF23186}" type="slidenum">
               <a:rPr lang="de-DE" smtClean="0"/>
-              <a:t>‹Nr.›</a:t>
+              <a:t>‹#›</a:t>
             </a:fld>
             <a:endParaRPr lang="de-DE"/>
           </a:p>
@@ -9814,7 +9856,7 @@
           <a:p>
             <a:fld id="{F71C6DD2-D544-431D-9D1C-10B67B6A0DCF}" type="datetime1">
               <a:rPr lang="de-DE" smtClean="0"/>
-              <a:t>08.08.2012</a:t>
+              <a:t>09.08.2012</a:t>
             </a:fld>
             <a:endParaRPr lang="de-DE" dirty="0"/>
           </a:p>
@@ -9894,7 +9936,7 @@
           <a:p>
             <a:fld id="{6C6AE60A-B69C-4790-82F7-3882EDF23186}" type="slidenum">
               <a:rPr lang="de-DE" smtClean="0"/>
-              <a:t>‹Nr.›</a:t>
+              <a:t>‹#›</a:t>
             </a:fld>
             <a:endParaRPr lang="de-DE" dirty="0"/>
           </a:p>
@@ -10344,7 +10386,7 @@
           <a:p>
             <a:fld id="{9B98BD4D-6BF2-4875-97EF-D5E165ACD66B}" type="datetime1">
               <a:rPr lang="de-DE" smtClean="0"/>
-              <a:t>08.08.2012</a:t>
+              <a:t>09.08.2012</a:t>
             </a:fld>
             <a:endParaRPr lang="de-DE"/>
           </a:p>
@@ -10500,7 +10542,7 @@
           <a:p>
             <a:fld id="{DF12DD4B-EF3A-4B46-A36A-C8BB907269E8}" type="datetime1">
               <a:rPr lang="de-DE" smtClean="0"/>
-              <a:t>08.08.2012</a:t>
+              <a:t>09.08.2012</a:t>
             </a:fld>
             <a:endParaRPr lang="de-DE"/>
           </a:p>
@@ -10714,7 +10756,7 @@
           <a:p>
             <a:fld id="{44A63244-3503-4ED4-ACB4-8FEAB36B3B88}" type="datetime1">
               <a:rPr lang="de-DE" smtClean="0"/>
-              <a:t>08.08.2012</a:t>
+              <a:t>09.08.2012</a:t>
             </a:fld>
             <a:endParaRPr lang="de-DE"/>
           </a:p>
@@ -11009,7 +11051,7 @@
           <a:p>
             <a:fld id="{44A63244-3503-4ED4-ACB4-8FEAB36B3B88}" type="datetime1">
               <a:rPr lang="de-DE" smtClean="0"/>
-              <a:t>08.08.2012</a:t>
+              <a:t>09.08.2012</a:t>
             </a:fld>
             <a:endParaRPr lang="de-DE"/>
           </a:p>
@@ -11120,7 +11162,7 @@
           <a:p>
             <a:fld id="{9B98BD4D-6BF2-4875-97EF-D5E165ACD66B}" type="datetime1">
               <a:rPr lang="de-DE" smtClean="0"/>
-              <a:t>08.08.2012</a:t>
+              <a:t>09.08.2012</a:t>
             </a:fld>
             <a:endParaRPr lang="de-DE"/>
           </a:p>
@@ -11278,7 +11320,7 @@
             <a:fld id="{44A63244-3503-4ED4-ACB4-8FEAB36B3B88}" type="datetime1">
               <a:rPr lang="de-DE" smtClean="0"/>
               <a:pPr/>
-              <a:t>08.08.2012</a:t>
+              <a:t>09.08.2012</a:t>
             </a:fld>
             <a:endParaRPr lang="de-DE"/>
           </a:p>
@@ -11511,7 +11553,7 @@
           <a:p>
             <a:fld id="{033221D9-D354-4EF9-9F02-0FCAACB7FF10}" type="datetime1">
               <a:rPr lang="de-DE" smtClean="0"/>
-              <a:t>08.08.2012</a:t>
+              <a:t>09.08.2012</a:t>
             </a:fld>
             <a:endParaRPr lang="de-DE"/>
           </a:p>
@@ -11663,7 +11705,7 @@
           <a:p>
             <a:fld id="{033221D9-D354-4EF9-9F02-0FCAACB7FF10}" type="datetime1">
               <a:rPr lang="de-DE" smtClean="0"/>
-              <a:t>08.08.2012</a:t>
+              <a:t>09.08.2012</a:t>
             </a:fld>
             <a:endParaRPr lang="de-DE"/>
           </a:p>
@@ -11816,8 +11858,12 @@
           <a:lstStyle/>
           <a:p>
             <a:r>
+              <a:rPr lang="de-CH" smtClean="0"/>
+              <a:t>Verschiedene </a:t>
+            </a:r>
+            <a:r>
               <a:rPr lang="de-CH" dirty="0" smtClean="0"/>
-              <a:t>Viele verschiedene Bereiche</a:t>
+              <a:t>Bereiche</a:t>
             </a:r>
           </a:p>
           <a:p>
@@ -11827,29 +11873,14 @@
             </a:r>
           </a:p>
           <a:p>
-            <a:pPr lvl="1"/>
             <a:r>
               <a:rPr lang="de-CH" dirty="0" smtClean="0"/>
-              <a:t>Viele Monitore, hohe Auflösung mit WPF</a:t>
-            </a:r>
-          </a:p>
-          <a:p>
-            <a:pPr lvl="1"/>
+              <a:t>Neues </a:t>
+            </a:r>
             <a:r>
               <a:rPr lang="de-CH" dirty="0" smtClean="0"/>
-              <a:t>Grafikkarten Konfiguration</a:t>
-            </a:r>
-          </a:p>
-          <a:p>
-            <a:r>
-              <a:rPr lang="de-CH" dirty="0" smtClean="0"/>
-              <a:t>Neues Interaktionskonzept mit </a:t>
-            </a:r>
-            <a:r>
-              <a:rPr lang="de-CH" dirty="0" err="1" smtClean="0"/>
-              <a:t>Kinect</a:t>
-            </a:r>
-            <a:endParaRPr lang="de-CH" dirty="0" smtClean="0"/>
+              <a:t>Interaktionskonzept mit Kinect</a:t>
+            </a:r>
           </a:p>
           <a:p>
             <a:r>
@@ -11869,16 +11900,13 @@
             </a:r>
           </a:p>
           <a:p>
-            <a:pPr lvl="1"/>
             <a:r>
               <a:rPr lang="de-CH" dirty="0" smtClean="0"/>
-              <a:t>Z.B. Demomodus Ideen dokumentiert</a:t>
-            </a:r>
-          </a:p>
-          <a:p>
+              <a:t>Viele </a:t>
+            </a:r>
             <a:r>
               <a:rPr lang="de-CH" dirty="0" smtClean="0"/>
-              <a:t>Viele Personen &amp; Meinungen</a:t>
+              <a:t>Personen &amp; Meinungen</a:t>
             </a:r>
           </a:p>
         </p:txBody>
@@ -11923,7 +11951,7 @@
           <a:p>
             <a:fld id="{8901FBCB-A81B-4C18-B006-071855DD7EA6}" type="datetime1">
               <a:rPr lang="de-DE" smtClean="0"/>
-              <a:t>08.08.2012</a:t>
+              <a:t>09.08.2012</a:t>
             </a:fld>
             <a:endParaRPr lang="de-DE"/>
           </a:p>
@@ -12112,7 +12140,7 @@
           <a:p>
             <a:fld id="{501B05A8-2BD4-4626-8AA4-F10EEDB68282}" type="datetime1">
               <a:rPr lang="de-DE" smtClean="0"/>
-              <a:t>08.08.2012</a:t>
+              <a:t>09.08.2012</a:t>
             </a:fld>
             <a:endParaRPr lang="de-DE"/>
           </a:p>
@@ -12234,7 +12262,6 @@
               <a:rPr lang="de-CH" dirty="0" smtClean="0"/>
               <a:t>Umsetzung</a:t>
             </a:r>
-            <a:endParaRPr lang="de-CH" dirty="0" smtClean="0"/>
           </a:p>
           <a:p>
             <a:pPr lvl="1"/>
@@ -12321,7 +12348,7 @@
           <a:p>
             <a:fld id="{E726D7A4-2B03-46BB-9C86-ABEAEF2AB5FE}" type="datetime1">
               <a:rPr lang="de-DE" smtClean="0"/>
-              <a:t>08.08.2012</a:t>
+              <a:t>09.08.2012</a:t>
             </a:fld>
             <a:endParaRPr lang="de-DE"/>
           </a:p>
@@ -12507,7 +12534,7 @@
           <a:p>
             <a:fld id="{21EDB019-745C-4C2E-B407-4C6173967862}" type="datetime1">
               <a:rPr lang="de-DE" smtClean="0"/>
-              <a:t>08.08.2012</a:t>
+              <a:t>09.08.2012</a:t>
             </a:fld>
             <a:endParaRPr lang="de-DE"/>
           </a:p>
@@ -12618,7 +12645,7 @@
           <a:p>
             <a:fld id="{9B98BD4D-6BF2-4875-97EF-D5E165ACD66B}" type="datetime1">
               <a:rPr lang="de-DE" smtClean="0"/>
-              <a:t>08.08.2012</a:t>
+              <a:t>09.08.2012</a:t>
             </a:fld>
             <a:endParaRPr lang="de-DE"/>
           </a:p>
@@ -12846,7 +12873,7 @@
           <a:p>
             <a:fld id="{F293D3CC-6874-4C64-B276-BF3E937877D5}" type="datetime1">
               <a:rPr lang="de-DE" smtClean="0"/>
-              <a:t>08.08.2012</a:t>
+              <a:t>09.08.2012</a:t>
             </a:fld>
             <a:endParaRPr lang="de-DE"/>
           </a:p>
@@ -13026,7 +13053,7 @@
           <a:p>
             <a:fld id="{8B2260EE-D2F9-428F-8851-5220AF0B31B0}" type="datetime1">
               <a:rPr lang="de-DE" smtClean="0"/>
-              <a:t>08.08.2012</a:t>
+              <a:t>09.08.2012</a:t>
             </a:fld>
             <a:endParaRPr lang="de-DE"/>
           </a:p>
@@ -13211,7 +13238,7 @@
           <a:p>
             <a:fld id="{DA57E989-068F-43A0-9689-73D7E9CFB0A9}" type="datetime1">
               <a:rPr lang="de-DE" smtClean="0"/>
-              <a:t>08.08.2012</a:t>
+              <a:t>09.08.2012</a:t>
             </a:fld>
             <a:endParaRPr lang="de-DE"/>
           </a:p>
@@ -13493,7 +13520,7 @@
           <a:p>
             <a:fld id="{DA57E989-068F-43A0-9689-73D7E9CFB0A9}" type="datetime1">
               <a:rPr lang="de-DE" smtClean="0"/>
-              <a:t>08.08.2012</a:t>
+              <a:t>09.08.2012</a:t>
             </a:fld>
             <a:endParaRPr lang="de-DE"/>
           </a:p>
@@ -13686,7 +13713,7 @@
           <a:p>
             <a:fld id="{DA57E989-068F-43A0-9689-73D7E9CFB0A9}" type="datetime1">
               <a:rPr lang="de-DE" smtClean="0"/>
-              <a:t>08.08.2012</a:t>
+              <a:t>09.08.2012</a:t>
             </a:fld>
             <a:endParaRPr lang="de-DE"/>
           </a:p>
@@ -13877,7 +13904,7 @@
           <a:p>
             <a:fld id="{B51C9897-20A4-4C20-9F35-E1951D6FC7F1}" type="datetime1">
               <a:rPr lang="de-DE" smtClean="0"/>
-              <a:t>08.08.2012</a:t>
+              <a:t>09.08.2012</a:t>
             </a:fld>
             <a:endParaRPr lang="de-DE"/>
           </a:p>
@@ -14054,7 +14081,7 @@
           <a:p>
             <a:fld id="{44A63244-3503-4ED4-ACB4-8FEAB36B3B88}" type="datetime1">
               <a:rPr lang="de-DE" smtClean="0"/>
-              <a:t>08.08.2012</a:t>
+              <a:t>09.08.2012</a:t>
             </a:fld>
             <a:endParaRPr lang="de-DE"/>
           </a:p>

--- a/doc/media/ba_praesentation.pptx
+++ b/doc/media/ba_praesentation.pptx
@@ -3244,7 +3244,7 @@
           <a:p>
             <a:fld id="{B5CD40D4-7ADD-47E5-8096-FC0CE802AD73}" type="slidenum">
               <a:rPr lang="de-CH" smtClean="0"/>
-              <a:t>‹#›</a:t>
+              <a:t>‹Nr.›</a:t>
             </a:fld>
             <a:endParaRPr lang="de-CH"/>
           </a:p>
@@ -6442,7 +6442,7 @@
           <a:p>
             <a:fld id="{6C6AE60A-B69C-4790-82F7-3882EDF23186}" type="slidenum">
               <a:rPr lang="de-DE" smtClean="0"/>
-              <a:t>‹#›</a:t>
+              <a:t>‹Nr.›</a:t>
             </a:fld>
             <a:endParaRPr lang="de-DE"/>
           </a:p>
@@ -6633,7 +6633,7 @@
           <a:p>
             <a:fld id="{6C6AE60A-B69C-4790-82F7-3882EDF23186}" type="slidenum">
               <a:rPr lang="de-DE" smtClean="0"/>
-              <a:t>‹#›</a:t>
+              <a:t>‹Nr.›</a:t>
             </a:fld>
             <a:endParaRPr lang="de-DE"/>
           </a:p>
@@ -6822,7 +6822,7 @@
           <a:p>
             <a:fld id="{6C6AE60A-B69C-4790-82F7-3882EDF23186}" type="slidenum">
               <a:rPr lang="de-DE" smtClean="0"/>
-              <a:t>‹#›</a:t>
+              <a:t>‹Nr.›</a:t>
             </a:fld>
             <a:endParaRPr lang="de-DE"/>
           </a:p>
@@ -6976,7 +6976,7 @@
           <a:p>
             <a:fld id="{6C6AE60A-B69C-4790-82F7-3882EDF23186}" type="slidenum">
               <a:rPr lang="de-DE" smtClean="0"/>
-              <a:t>‹#›</a:t>
+              <a:t>‹Nr.›</a:t>
             </a:fld>
             <a:endParaRPr lang="de-DE"/>
           </a:p>
@@ -7249,7 +7249,7 @@
           <a:p>
             <a:fld id="{6C6AE60A-B69C-4790-82F7-3882EDF23186}" type="slidenum">
               <a:rPr lang="de-DE" smtClean="0"/>
-              <a:t>‹#›</a:t>
+              <a:t>‹Nr.›</a:t>
             </a:fld>
             <a:endParaRPr lang="de-DE"/>
           </a:p>
@@ -7669,7 +7669,7 @@
           <a:p>
             <a:fld id="{6C6AE60A-B69C-4790-82F7-3882EDF23186}" type="slidenum">
               <a:rPr lang="de-DE" smtClean="0"/>
-              <a:t>‹#›</a:t>
+              <a:t>‹Nr.›</a:t>
             </a:fld>
             <a:endParaRPr lang="de-DE"/>
           </a:p>
@@ -8119,7 +8119,7 @@
           <a:p>
             <a:fld id="{6C6AE60A-B69C-4790-82F7-3882EDF23186}" type="slidenum">
               <a:rPr lang="de-DE" smtClean="0"/>
-              <a:t>‹#›</a:t>
+              <a:t>‹Nr.›</a:t>
             </a:fld>
             <a:endParaRPr lang="de-DE"/>
           </a:p>
@@ -8224,7 +8224,7 @@
           <a:p>
             <a:fld id="{6C6AE60A-B69C-4790-82F7-3882EDF23186}" type="slidenum">
               <a:rPr lang="de-DE" smtClean="0"/>
-              <a:t>‹#›</a:t>
+              <a:t>‹Nr.›</a:t>
             </a:fld>
             <a:endParaRPr lang="de-DE"/>
           </a:p>
@@ -8299,7 +8299,7 @@
           <a:p>
             <a:fld id="{6C6AE60A-B69C-4790-82F7-3882EDF23186}" type="slidenum">
               <a:rPr lang="de-DE" smtClean="0"/>
-              <a:t>‹#›</a:t>
+              <a:t>‹Nr.›</a:t>
             </a:fld>
             <a:endParaRPr lang="de-DE"/>
           </a:p>
@@ -8584,7 +8584,7 @@
           <a:p>
             <a:fld id="{6C6AE60A-B69C-4790-82F7-3882EDF23186}" type="slidenum">
               <a:rPr lang="de-DE" smtClean="0"/>
-              <a:t>‹#›</a:t>
+              <a:t>‹Nr.›</a:t>
             </a:fld>
             <a:endParaRPr lang="de-DE"/>
           </a:p>
@@ -8812,7 +8812,7 @@
           <a:p>
             <a:fld id="{6C6AE60A-B69C-4790-82F7-3882EDF23186}" type="slidenum">
               <a:rPr lang="de-DE" smtClean="0"/>
-              <a:t>‹#›</a:t>
+              <a:t>‹Nr.›</a:t>
             </a:fld>
             <a:endParaRPr lang="de-DE"/>
           </a:p>
@@ -9936,7 +9936,7 @@
           <a:p>
             <a:fld id="{6C6AE60A-B69C-4790-82F7-3882EDF23186}" type="slidenum">
               <a:rPr lang="de-DE" smtClean="0"/>
-              <a:t>‹#›</a:t>
+              <a:t>‹Nr.›</a:t>
             </a:fld>
             <a:endParaRPr lang="de-DE" dirty="0"/>
           </a:p>
@@ -11242,7 +11242,7 @@
         </p:blipFill>
         <p:spPr bwMode="auto">
           <a:xfrm>
-            <a:off x="2030528" y="-387424"/>
+            <a:off x="2030528" y="-157384"/>
             <a:ext cx="5082944" cy="7186784"/>
           </a:xfrm>
           <a:prstGeom prst="rect">
@@ -11875,11 +11875,7 @@
           <a:p>
             <a:r>
               <a:rPr lang="de-CH" dirty="0" smtClean="0"/>
-              <a:t>Neues </a:t>
-            </a:r>
-            <a:r>
-              <a:rPr lang="de-CH" dirty="0" smtClean="0"/>
-              <a:t>Interaktionskonzept mit Kinect</a:t>
+              <a:t>Neues Interaktionskonzept mit Kinect</a:t>
             </a:r>
           </a:p>
           <a:p>
@@ -11902,11 +11898,7 @@
           <a:p>
             <a:r>
               <a:rPr lang="de-CH" dirty="0" smtClean="0"/>
-              <a:t>Viele </a:t>
-            </a:r>
-            <a:r>
-              <a:rPr lang="de-CH" dirty="0" smtClean="0"/>
-              <a:t>Personen &amp; Meinungen</a:t>
+              <a:t>Viele Personen &amp; Meinungen</a:t>
             </a:r>
           </a:p>
         </p:txBody>
@@ -12059,14 +12051,11 @@
           <a:p>
             <a:r>
               <a:rPr lang="de-CH" dirty="0" smtClean="0"/>
-              <a:t>Erreicht</a:t>
-            </a:r>
-          </a:p>
-          <a:p>
-            <a:pPr lvl="1"/>
+              <a:t>Analyse </a:t>
+            </a:r>
             <a:r>
               <a:rPr lang="de-CH" dirty="0"/>
-              <a:t>Analyse und </a:t>
+              <a:t>und </a:t>
             </a:r>
             <a:r>
               <a:rPr lang="de-CH" dirty="0" smtClean="0"/>
@@ -12074,14 +12063,12 @@
             </a:r>
           </a:p>
           <a:p>
-            <a:pPr lvl="1"/>
             <a:r>
               <a:rPr lang="de-CH" dirty="0" smtClean="0"/>
               <a:t>Videowall Evaluation</a:t>
             </a:r>
           </a:p>
           <a:p>
-            <a:pPr lvl="1"/>
             <a:r>
               <a:rPr lang="de-CH" dirty="0" err="1" smtClean="0"/>
               <a:t>Plug-in</a:t>
@@ -12092,7 +12079,6 @@
             </a:r>
           </a:p>
           <a:p>
-            <a:pPr lvl="1"/>
             <a:r>
               <a:rPr lang="de-CH" dirty="0" smtClean="0"/>
               <a:t>Weiterentwicklung dokumentiert</a:t>
@@ -12117,9 +12103,9 @@
           <a:p>
             <a:r>
               <a:rPr lang="de-CH" dirty="0" smtClean="0"/>
-              <a:t>Abschluss (1/2)</a:t>
-            </a:r>
-            <a:endParaRPr lang="de-CH" dirty="0"/>
+              <a:t>Projektabschluss</a:t>
+            </a:r>
+            <a:endParaRPr lang="de-CH" dirty="0" smtClean="0"/>
           </a:p>
         </p:txBody>
       </p:sp>
@@ -12302,7 +12288,17 @@
           <a:p>
             <a:r>
               <a:rPr lang="de-CH" dirty="0" smtClean="0"/>
-              <a:t>Abschluss</a:t>
+              <a:t>Projekta</a:t>
+            </a:r>
+            <a:r>
+              <a:rPr lang="de-CH" dirty="0" smtClean="0"/>
+              <a:t>bschluss</a:t>
+            </a:r>
+          </a:p>
+          <a:p>
+            <a:r>
+              <a:rPr lang="de-CH" dirty="0" smtClean="0"/>
+              <a:t>Weiterentwicklung</a:t>
             </a:r>
             <a:endParaRPr lang="de-CH" dirty="0"/>
           </a:p>
@@ -12456,18 +12452,14 @@
           <a:p>
             <a:r>
               <a:rPr lang="de-CH" dirty="0" smtClean="0"/>
-              <a:t>Weiterentwicklung</a:t>
-            </a:r>
-          </a:p>
-          <a:p>
-            <a:pPr lvl="1"/>
+              <a:t>Videowall </a:t>
+            </a:r>
             <a:r>
               <a:rPr lang="de-CH" dirty="0" smtClean="0"/>
-              <a:t>Videowall beschaffen</a:t>
-            </a:r>
-          </a:p>
-          <a:p>
-            <a:pPr lvl="1"/>
+              <a:t>beschaffen</a:t>
+            </a:r>
+          </a:p>
+          <a:p>
             <a:r>
               <a:rPr lang="de-CH" dirty="0" smtClean="0"/>
               <a:t>CMS </a:t>
@@ -12478,7 +12470,6 @@
             </a:r>
           </a:p>
           <a:p>
-            <a:pPr lvl="1"/>
             <a:r>
               <a:rPr lang="de-CH" dirty="0" smtClean="0"/>
               <a:t>Weitere </a:t>
@@ -12510,8 +12501,8 @@
           <a:lstStyle/>
           <a:p>
             <a:r>
-              <a:rPr lang="de-CH" dirty="0" smtClean="0"/>
-              <a:t>Abschluss (2/2)</a:t>
+              <a:rPr lang="de-CH" dirty="0"/>
+              <a:t>Weiterentwicklung</a:t>
             </a:r>
             <a:endParaRPr lang="de-CH" dirty="0"/>
           </a:p>
@@ -13005,8 +12996,19 @@
           <a:p>
             <a:r>
               <a:rPr lang="de-CH" dirty="0" smtClean="0"/>
-              <a:t>Scrum, User Stories</a:t>
-            </a:r>
+              <a:t>Scrum, User </a:t>
+            </a:r>
+            <a:r>
+              <a:rPr lang="de-CH" dirty="0" smtClean="0"/>
+              <a:t>Stories</a:t>
+            </a:r>
+          </a:p>
+          <a:p>
+            <a:r>
+              <a:rPr lang="de-CH" dirty="0" smtClean="0"/>
+              <a:t>Dokumentation angelehnt an RUP</a:t>
+            </a:r>
+            <a:endParaRPr lang="de-CH" dirty="0" smtClean="0"/>
           </a:p>
           <a:p>
             <a:endParaRPr lang="de-CH" dirty="0"/>

--- a/doc/media/ba_praesentation.pptx
+++ b/doc/media/ba_praesentation.pptx
@@ -12105,7 +12105,6 @@
               <a:rPr lang="de-CH" dirty="0" smtClean="0"/>
               <a:t>Projektabschluss</a:t>
             </a:r>
-            <a:endParaRPr lang="de-CH" dirty="0" smtClean="0"/>
           </a:p>
         </p:txBody>
       </p:sp>
@@ -12288,11 +12287,7 @@
           <a:p>
             <a:r>
               <a:rPr lang="de-CH" dirty="0" smtClean="0"/>
-              <a:t>Projekta</a:t>
-            </a:r>
-            <a:r>
-              <a:rPr lang="de-CH" dirty="0" smtClean="0"/>
-              <a:t>bschluss</a:t>
+              <a:t>Projektabschluss</a:t>
             </a:r>
           </a:p>
           <a:p>
@@ -12452,11 +12447,13 @@
           <a:p>
             <a:r>
               <a:rPr lang="de-CH" dirty="0" smtClean="0"/>
-              <a:t>Videowall </a:t>
-            </a:r>
+              <a:t>Videowall beschaffen</a:t>
+            </a:r>
+          </a:p>
+          <a:p>
             <a:r>
               <a:rPr lang="de-CH" dirty="0" smtClean="0"/>
-              <a:t>beschaffen</a:t>
+              <a:t>Prototyp weiterentwickeln</a:t>
             </a:r>
           </a:p>
           <a:p>
@@ -12504,7 +12501,6 @@
               <a:rPr lang="de-CH" dirty="0"/>
               <a:t>Weiterentwicklung</a:t>
             </a:r>
-            <a:endParaRPr lang="de-CH" dirty="0"/>
           </a:p>
         </p:txBody>
       </p:sp>
@@ -12996,11 +12992,7 @@
           <a:p>
             <a:r>
               <a:rPr lang="de-CH" dirty="0" smtClean="0"/>
-              <a:t>Scrum, User </a:t>
-            </a:r>
-            <a:r>
-              <a:rPr lang="de-CH" dirty="0" smtClean="0"/>
-              <a:t>Stories</a:t>
+              <a:t>Scrum, User Stories</a:t>
             </a:r>
           </a:p>
           <a:p>
@@ -13008,7 +13000,6 @@
               <a:rPr lang="de-CH" dirty="0" smtClean="0"/>
               <a:t>Dokumentation angelehnt an RUP</a:t>
             </a:r>
-            <a:endParaRPr lang="de-CH" dirty="0" smtClean="0"/>
           </a:p>
           <a:p>
             <a:endParaRPr lang="de-CH" dirty="0"/>

--- a/doc/media/ba_praesentation.pptx
+++ b/doc/media/ba_praesentation.pptx
@@ -3085,7 +3085,7 @@
           <a:p>
             <a:fld id="{5F9A2183-D90D-4B3F-BB63-9657262DF432}" type="datetimeFigureOut">
               <a:rPr lang="de-CH" smtClean="0"/>
-              <a:t>09.08.2012</a:t>
+              <a:t>12.08.2012</a:t>
             </a:fld>
             <a:endParaRPr lang="de-CH"/>
           </a:p>
@@ -4077,8 +4077,52 @@
             </a:pPr>
             <a:r>
               <a:rPr lang="de-CH" dirty="0" smtClean="0"/>
-              <a:t>Demonstration Machbarkeit</a:t>
-            </a:r>
+              <a:t>Demonstration </a:t>
+            </a:r>
+            <a:r>
+              <a:rPr lang="de-CH" dirty="0" smtClean="0"/>
+              <a:t>Machbarkeit</a:t>
+            </a:r>
+          </a:p>
+          <a:p>
+            <a:pPr marL="0" marR="0" indent="0" algn="l" defTabSz="914400" rtl="0" eaLnBrk="1" fontAlgn="auto" latinLnBrk="0" hangingPunct="1">
+              <a:lnSpc>
+                <a:spcPct val="100000"/>
+              </a:lnSpc>
+              <a:spcBef>
+                <a:spcPts val="0"/>
+              </a:spcBef>
+              <a:spcAft>
+                <a:spcPts val="0"/>
+              </a:spcAft>
+              <a:buClrTx/>
+              <a:buSzTx/>
+              <a:buFontTx/>
+              <a:buNone/>
+              <a:tabLst/>
+              <a:defRPr/>
+            </a:pPr>
+            <a:r>
+              <a:rPr lang="de-CH" dirty="0" smtClean="0"/>
+              <a:t>Lose Kopplung: </a:t>
+            </a:r>
+            <a:r>
+              <a:rPr lang="de-CH" dirty="0" err="1" smtClean="0"/>
+              <a:t>interfaces</a:t>
+            </a:r>
+            <a:r>
+              <a:rPr lang="de-CH" dirty="0" smtClean="0"/>
+              <a:t> ändern/neue hinzufügen. </a:t>
+            </a:r>
+            <a:r>
+              <a:rPr lang="de-CH" dirty="0" err="1" smtClean="0"/>
+              <a:t>Plugins</a:t>
+            </a:r>
+            <a:r>
+              <a:rPr lang="de-CH" baseline="0" dirty="0" smtClean="0"/>
+              <a:t> die das Interface nicht benutzen müssen nicht neu kompiliert werden.</a:t>
+            </a:r>
+            <a:endParaRPr lang="de-CH" dirty="0" smtClean="0"/>
           </a:p>
           <a:p>
             <a:endParaRPr lang="de-CH" dirty="0"/>
@@ -4207,17 +4251,17 @@
             </a:pPr>
             <a:r>
               <a:rPr lang="de-CH" dirty="0" smtClean="0"/>
-              <a:t>App laden/initialisieren, Extension</a:t>
+              <a:t>Konzept</a:t>
             </a:r>
             <a:r>
               <a:rPr lang="de-CH" baseline="0" dirty="0" smtClean="0"/>
-              <a:t> Directory = Pfad zu </a:t>
-            </a:r>
-            <a:r>
-              <a:rPr lang="de-CH" baseline="0" dirty="0" err="1" smtClean="0"/>
-              <a:t>Plug-in</a:t>
-            </a:r>
-            <a:endParaRPr lang="de-CH" baseline="0" dirty="0" smtClean="0"/>
+              <a:t> nicht </a:t>
+            </a:r>
+            <a:r>
+              <a:rPr lang="de-CH" baseline="0" smtClean="0"/>
+              <a:t>genaue Umsetzung</a:t>
+            </a:r>
+            <a:endParaRPr lang="de-CH" dirty="0" smtClean="0"/>
           </a:p>
           <a:p>
             <a:pPr marL="0" marR="0" indent="0" algn="l" defTabSz="914400" rtl="0" eaLnBrk="1" fontAlgn="auto" latinLnBrk="0" hangingPunct="1">
@@ -4238,8 +4282,12 @@
               <a:defRPr/>
             </a:pPr>
             <a:r>
+              <a:rPr lang="de-CH" dirty="0" smtClean="0"/>
+              <a:t>MEF </a:t>
+            </a:r>
+            <a:r>
               <a:rPr lang="de-CH" baseline="0" dirty="0" smtClean="0"/>
-              <a:t>Extension Manager mit MEF (</a:t>
+              <a:t>(</a:t>
             </a:r>
             <a:r>
               <a:rPr lang="de-CH" baseline="0" dirty="0" err="1" smtClean="0"/>
@@ -4277,9 +4325,42 @@
               <a:defRPr/>
             </a:pPr>
             <a:r>
+              <a:rPr lang="de-CH" baseline="0" dirty="0" err="1" smtClean="0"/>
+              <a:t>Unity</a:t>
+            </a:r>
+            <a:r>
               <a:rPr lang="de-CH" baseline="0" dirty="0" smtClean="0"/>
-              <a:t>App benötigt Service, z.B. File Service</a:t>
-            </a:r>
+              <a:t> = stellt </a:t>
+            </a:r>
+            <a:r>
+              <a:rPr lang="de-CH" baseline="0" dirty="0" err="1" smtClean="0"/>
+              <a:t>container</a:t>
+            </a:r>
+            <a:r>
+              <a:rPr lang="de-CH" baseline="0" dirty="0" smtClean="0"/>
+              <a:t> zur </a:t>
+            </a:r>
+            <a:r>
+              <a:rPr lang="de-CH" baseline="0" dirty="0" err="1" smtClean="0"/>
+              <a:t>verfügung</a:t>
+            </a:r>
+            <a:r>
+              <a:rPr lang="de-CH" baseline="0" dirty="0" smtClean="0"/>
+              <a:t> um </a:t>
+            </a:r>
+            <a:r>
+              <a:rPr lang="de-CH" baseline="0" dirty="0" err="1" smtClean="0"/>
+              <a:t>interfaces</a:t>
+            </a:r>
+            <a:r>
+              <a:rPr lang="de-CH" baseline="0" dirty="0" smtClean="0"/>
+              <a:t> zu </a:t>
+            </a:r>
+            <a:r>
+              <a:rPr lang="de-CH" baseline="0" dirty="0" err="1" smtClean="0"/>
+              <a:t>mappen</a:t>
+            </a:r>
+            <a:endParaRPr lang="de-CH" dirty="0" smtClean="0"/>
           </a:p>
           <a:p>
             <a:pPr marL="0" marR="0" indent="0" algn="l" defTabSz="914400" rtl="0" eaLnBrk="1" fontAlgn="auto" latinLnBrk="0" hangingPunct="1">
@@ -4299,22 +4380,7 @@
               <a:tabLst/>
               <a:defRPr/>
             </a:pPr>
-            <a:r>
-              <a:rPr lang="de-CH" baseline="0" dirty="0" err="1" smtClean="0"/>
-              <a:t>AppController</a:t>
-            </a:r>
-            <a:r>
-              <a:rPr lang="de-CH" baseline="0" dirty="0" smtClean="0"/>
-              <a:t> aktiviert App mittels </a:t>
-            </a:r>
-            <a:r>
-              <a:rPr lang="de-CH" baseline="0" dirty="0" err="1" smtClean="0"/>
-              <a:t>VideoWallServiceProvider</a:t>
-            </a:r>
-            <a:r>
-              <a:rPr lang="de-CH" baseline="0" dirty="0" smtClean="0"/>
-              <a:t>. App ist erst lauffähig wenn es die entsprechenden Services vom Service Provider bekommt.</a:t>
-            </a:r>
+            <a:endParaRPr lang="de-CH" dirty="0" smtClean="0"/>
           </a:p>
           <a:p>
             <a:pPr marL="0" marR="0" indent="0" algn="l" defTabSz="914400" rtl="0" eaLnBrk="1" fontAlgn="auto" latinLnBrk="0" hangingPunct="1">
@@ -4335,21 +4401,18 @@
               <a:defRPr/>
             </a:pPr>
             <a:r>
+              <a:rPr lang="de-CH" dirty="0" smtClean="0"/>
+              <a:t>App laden/initialisieren, Extension</a:t>
+            </a:r>
+            <a:r>
+              <a:rPr lang="de-CH" baseline="0" dirty="0" smtClean="0"/>
+              <a:t> Directory = Pfad zu </a:t>
+            </a:r>
+            <a:r>
               <a:rPr lang="de-CH" baseline="0" dirty="0" err="1" smtClean="0"/>
-              <a:t>IApp</a:t>
-            </a:r>
-            <a:r>
-              <a:rPr lang="de-CH" baseline="0" dirty="0" smtClean="0"/>
-              <a:t> gibt über </a:t>
-            </a:r>
-            <a:r>
-              <a:rPr lang="de-CH" baseline="0" dirty="0" err="1" smtClean="0"/>
-              <a:t>GetExtension</a:t>
-            </a:r>
-            <a:r>
-              <a:rPr lang="de-CH" baseline="0" dirty="0" smtClean="0"/>
-              <a:t> an welchen Service es benötigt.</a:t>
-            </a:r>
+              <a:t>Plug-in</a:t>
+            </a:r>
+            <a:endParaRPr lang="de-CH" baseline="0" dirty="0" smtClean="0"/>
           </a:p>
           <a:p>
             <a:pPr marL="0" marR="0" indent="0" algn="l" defTabSz="914400" rtl="0" eaLnBrk="1" fontAlgn="auto" latinLnBrk="0" hangingPunct="1">
@@ -4371,6 +4434,126 @@
             </a:pPr>
             <a:r>
               <a:rPr lang="de-CH" baseline="0" dirty="0" smtClean="0"/>
+              <a:t>Extension Manager mit MEF</a:t>
+            </a:r>
+          </a:p>
+          <a:p>
+            <a:pPr marL="0" marR="0" indent="0" algn="l" defTabSz="914400" rtl="0" eaLnBrk="1" fontAlgn="auto" latinLnBrk="0" hangingPunct="1">
+              <a:lnSpc>
+                <a:spcPct val="100000"/>
+              </a:lnSpc>
+              <a:spcBef>
+                <a:spcPts val="0"/>
+              </a:spcBef>
+              <a:spcAft>
+                <a:spcPts val="0"/>
+              </a:spcAft>
+              <a:buClrTx/>
+              <a:buSzTx/>
+              <a:buFontTx/>
+              <a:buNone/>
+              <a:tabLst/>
+              <a:defRPr/>
+            </a:pPr>
+            <a:r>
+              <a:rPr lang="de-CH" baseline="0" dirty="0" smtClean="0"/>
+              <a:t>App </a:t>
+            </a:r>
+            <a:r>
+              <a:rPr lang="de-CH" baseline="0" dirty="0" smtClean="0"/>
+              <a:t>benötigt Service, z.B. File Service</a:t>
+            </a:r>
+          </a:p>
+          <a:p>
+            <a:pPr marL="0" marR="0" indent="0" algn="l" defTabSz="914400" rtl="0" eaLnBrk="1" fontAlgn="auto" latinLnBrk="0" hangingPunct="1">
+              <a:lnSpc>
+                <a:spcPct val="100000"/>
+              </a:lnSpc>
+              <a:spcBef>
+                <a:spcPts val="0"/>
+              </a:spcBef>
+              <a:spcAft>
+                <a:spcPts val="0"/>
+              </a:spcAft>
+              <a:buClrTx/>
+              <a:buSzTx/>
+              <a:buFontTx/>
+              <a:buNone/>
+              <a:tabLst/>
+              <a:defRPr/>
+            </a:pPr>
+            <a:r>
+              <a:rPr lang="de-CH" baseline="0" dirty="0" err="1" smtClean="0"/>
+              <a:t>AppController</a:t>
+            </a:r>
+            <a:r>
+              <a:rPr lang="de-CH" baseline="0" dirty="0" smtClean="0"/>
+              <a:t> aktiviert App mittels </a:t>
+            </a:r>
+            <a:r>
+              <a:rPr lang="de-CH" baseline="0" dirty="0" err="1" smtClean="0"/>
+              <a:t>VideoWallServiceProvider</a:t>
+            </a:r>
+            <a:r>
+              <a:rPr lang="de-CH" baseline="0" dirty="0" smtClean="0"/>
+              <a:t>. App ist erst lauffähig wenn es die entsprechenden Services vom Service Provider bekommt.</a:t>
+            </a:r>
+          </a:p>
+          <a:p>
+            <a:pPr marL="0" marR="0" indent="0" algn="l" defTabSz="914400" rtl="0" eaLnBrk="1" fontAlgn="auto" latinLnBrk="0" hangingPunct="1">
+              <a:lnSpc>
+                <a:spcPct val="100000"/>
+              </a:lnSpc>
+              <a:spcBef>
+                <a:spcPts val="0"/>
+              </a:spcBef>
+              <a:spcAft>
+                <a:spcPts val="0"/>
+              </a:spcAft>
+              <a:buClrTx/>
+              <a:buSzTx/>
+              <a:buFontTx/>
+              <a:buNone/>
+              <a:tabLst/>
+              <a:defRPr/>
+            </a:pPr>
+            <a:r>
+              <a:rPr lang="de-CH" baseline="0" dirty="0" err="1" smtClean="0"/>
+              <a:t>IApp</a:t>
+            </a:r>
+            <a:r>
+              <a:rPr lang="de-CH" baseline="0" dirty="0" smtClean="0"/>
+              <a:t> gibt über </a:t>
+            </a:r>
+            <a:r>
+              <a:rPr lang="de-CH" baseline="0" dirty="0" err="1" smtClean="0"/>
+              <a:t>GetExtension</a:t>
+            </a:r>
+            <a:r>
+              <a:rPr lang="de-CH" baseline="0" dirty="0" smtClean="0"/>
+              <a:t> an welchen Service es benötigt.</a:t>
+            </a:r>
+          </a:p>
+          <a:p>
+            <a:pPr marL="0" marR="0" indent="0" algn="l" defTabSz="914400" rtl="0" eaLnBrk="1" fontAlgn="auto" latinLnBrk="0" hangingPunct="1">
+              <a:lnSpc>
+                <a:spcPct val="100000"/>
+              </a:lnSpc>
+              <a:spcBef>
+                <a:spcPts val="0"/>
+              </a:spcBef>
+              <a:spcAft>
+                <a:spcPts val="0"/>
+              </a:spcAft>
+              <a:buClrTx/>
+              <a:buSzTx/>
+              <a:buFontTx/>
+              <a:buNone/>
+              <a:tabLst/>
+              <a:defRPr/>
+            </a:pPr>
+            <a:r>
+              <a:rPr lang="de-CH" baseline="0" dirty="0" smtClean="0"/>
               <a:t>Durch </a:t>
             </a:r>
             <a:r>
@@ -4379,13 +4562,8 @@
             </a:r>
             <a:r>
               <a:rPr lang="de-CH" baseline="0" dirty="0" smtClean="0"/>
-              <a:t> wurden </a:t>
-            </a:r>
-            <a:r>
-              <a:rPr lang="de-CH" baseline="0" smtClean="0"/>
-              <a:t>Services registriert.</a:t>
-            </a:r>
-            <a:endParaRPr lang="de-CH" baseline="0" dirty="0" smtClean="0"/>
+              <a:t> wurden Services registriert.</a:t>
+            </a:r>
           </a:p>
         </p:txBody>
       </p:sp>
@@ -4984,65 +5162,78 @@
           <a:p>
             <a:r>
               <a:rPr lang="de-CH" dirty="0" smtClean="0"/>
-              <a:t>Analyse und Benutzerstudie</a:t>
-            </a:r>
+              <a:t>Grundanforderung Poster darstellen, Aufgabenstellung geändert.</a:t>
+            </a:r>
+            <a:endParaRPr lang="de-CH" dirty="0" smtClean="0"/>
           </a:p>
           <a:p>
             <a:pPr lvl="1"/>
             <a:r>
-              <a:rPr lang="de-CH" dirty="0" err="1" smtClean="0"/>
-              <a:t>Personas</a:t>
-            </a:r>
-            <a:r>
               <a:rPr lang="de-CH" dirty="0" smtClean="0"/>
-              <a:t> &amp; Szenarien, Kinect, Interaktionstechniken</a:t>
+              <a:t>Kinect</a:t>
+            </a:r>
+            <a:r>
+              <a:rPr lang="de-CH" dirty="0" smtClean="0"/>
+              <a:t>, </a:t>
+            </a:r>
+            <a:r>
+              <a:rPr lang="de-CH" dirty="0" smtClean="0"/>
+              <a:t>Interaktionstechniken</a:t>
             </a:r>
           </a:p>
           <a:p>
             <a:pPr lvl="1"/>
+            <a:r>
+              <a:rPr lang="de-CH" dirty="0" smtClean="0"/>
+              <a:t>SW/HW Konfiguration, </a:t>
+            </a:r>
+            <a:r>
+              <a:rPr lang="de-CH" dirty="0" smtClean="0"/>
+              <a:t>Poster </a:t>
+            </a:r>
+            <a:r>
+              <a:rPr lang="de-CH" dirty="0" smtClean="0"/>
+              <a:t>Studie</a:t>
+            </a:r>
             <a:endParaRPr lang="de-CH" dirty="0" smtClean="0"/>
           </a:p>
           <a:p>
             <a:r>
               <a:rPr lang="de-CH" dirty="0" smtClean="0"/>
-              <a:t>Videowall Evaluation</a:t>
-            </a:r>
-          </a:p>
-          <a:p>
-            <a:pPr lvl="1"/>
+              <a:t>Wartung</a:t>
+            </a:r>
             <a:r>
               <a:rPr lang="de-CH" dirty="0" smtClean="0"/>
-              <a:t>SW/HW Konfiguration, Spezifikation Videowall HW + Experimente, Poster Studie, Lesbarkeit, Konfiguration Videowall 3x3, …</a:t>
-            </a:r>
-          </a:p>
-          <a:p>
-            <a:pPr lvl="1"/>
+              <a:t>: </a:t>
+            </a:r>
+            <a:r>
+              <a:rPr lang="de-CH" dirty="0" smtClean="0"/>
+              <a:t>Konzept CMS</a:t>
+            </a:r>
             <a:endParaRPr lang="de-CH" dirty="0" smtClean="0"/>
           </a:p>
           <a:p>
             <a:r>
               <a:rPr lang="de-CH" dirty="0" smtClean="0"/>
-              <a:t>Wartung: Publisher [Studenten, Sekretariat, Andere], CMS</a:t>
-            </a:r>
-          </a:p>
-          <a:p>
-            <a:endParaRPr lang="de-CH" dirty="0" smtClean="0"/>
-          </a:p>
-          <a:p>
+              <a:t>Erweiterbarkeit</a:t>
+            </a:r>
             <a:r>
               <a:rPr lang="de-CH" dirty="0" smtClean="0"/>
-              <a:t>Erweiterbarkeit: Andere Medien auf Videowall, Mini-Spiele, </a:t>
-            </a:r>
-            <a:r>
-              <a:rPr lang="de-CH" dirty="0" err="1" smtClean="0"/>
-              <a:t>Plug-ins</a:t>
-            </a:r>
-            <a:endParaRPr lang="de-CH" dirty="0" smtClean="0"/>
-          </a:p>
-          <a:p>
+              <a:t>: Andere Medien auf </a:t>
+            </a:r>
             <a:r>
               <a:rPr lang="de-CH" dirty="0" smtClean="0"/>
-              <a:t>Technischer Prototyp: gute Wartbarkeit, </a:t>
+              <a:t>Videowall</a:t>
+            </a:r>
+          </a:p>
+          <a:p>
+            <a:r>
+              <a:rPr lang="de-CH" dirty="0" smtClean="0"/>
+              <a:t>Technischer </a:t>
+            </a:r>
+            <a:r>
+              <a:rPr lang="de-CH" dirty="0" smtClean="0"/>
+              <a:t>Prototyp: gute Wartbarkeit, </a:t>
             </a:r>
             <a:r>
               <a:rPr lang="de-CH" dirty="0" err="1" smtClean="0"/>
@@ -5054,6 +5245,10 @@
             </a:r>
           </a:p>
           <a:p>
+            <a:r>
+              <a:rPr lang="de-CH" dirty="0" smtClean="0"/>
+              <a:t>Auf folgende Themen wird eingegangen.</a:t>
+            </a:r>
             <a:endParaRPr lang="de-CH" dirty="0"/>
           </a:p>
         </p:txBody>
@@ -6376,7 +6571,7 @@
           <a:p>
             <a:fld id="{6F2A06C8-D356-4E2D-A3FC-A5BA579B68BB}" type="datetime1">
               <a:rPr lang="de-DE" smtClean="0"/>
-              <a:t>09.08.2012</a:t>
+              <a:t>12.08.2012</a:t>
             </a:fld>
             <a:endParaRPr lang="de-DE" dirty="0"/>
           </a:p>
@@ -6583,7 +6778,7 @@
           <a:p>
             <a:fld id="{05742AA1-CEDB-43CB-92DC-F9063507D782}" type="datetime1">
               <a:rPr lang="de-DE" smtClean="0"/>
-              <a:t>09.08.2012</a:t>
+              <a:t>12.08.2012</a:t>
             </a:fld>
             <a:endParaRPr lang="de-DE"/>
           </a:p>
@@ -6772,7 +6967,7 @@
           <a:p>
             <a:fld id="{A8B0B602-BCF7-4DE7-846E-CE7E0F015D53}" type="datetime1">
               <a:rPr lang="de-DE" smtClean="0"/>
-              <a:t>09.08.2012</a:t>
+              <a:t>12.08.2012</a:t>
             </a:fld>
             <a:endParaRPr lang="de-DE"/>
           </a:p>
@@ -6926,7 +7121,7 @@
           <a:p>
             <a:fld id="{9B98BD4D-6BF2-4875-97EF-D5E165ACD66B}" type="datetime1">
               <a:rPr lang="de-DE" smtClean="0"/>
-              <a:t>09.08.2012</a:t>
+              <a:t>12.08.2012</a:t>
             </a:fld>
             <a:endParaRPr lang="de-DE"/>
           </a:p>
@@ -7199,7 +7394,7 @@
           <a:p>
             <a:fld id="{A41B53CD-5114-4059-BA6C-4406A9EA28EE}" type="datetime1">
               <a:rPr lang="de-DE" smtClean="0"/>
-              <a:t>09.08.2012</a:t>
+              <a:t>12.08.2012</a:t>
             </a:fld>
             <a:endParaRPr lang="de-DE"/>
           </a:p>
@@ -7619,7 +7814,7 @@
           <a:p>
             <a:fld id="{93CCBD64-6497-42B6-8412-3D797F93EDAE}" type="datetime1">
               <a:rPr lang="de-DE" smtClean="0"/>
-              <a:t>09.08.2012</a:t>
+              <a:t>12.08.2012</a:t>
             </a:fld>
             <a:endParaRPr lang="de-DE"/>
           </a:p>
@@ -8069,7 +8264,7 @@
           <a:p>
             <a:fld id="{169F4195-6FF7-4858-B281-A8EB06BBD328}" type="datetime1">
               <a:rPr lang="de-DE" smtClean="0"/>
-              <a:t>09.08.2012</a:t>
+              <a:t>12.08.2012</a:t>
             </a:fld>
             <a:endParaRPr lang="de-DE"/>
           </a:p>
@@ -8174,7 +8369,7 @@
           <a:p>
             <a:fld id="{7EF3F7B4-0A67-475F-9F09-AD875216919C}" type="datetime1">
               <a:rPr lang="de-DE" smtClean="0"/>
-              <a:t>09.08.2012</a:t>
+              <a:t>12.08.2012</a:t>
             </a:fld>
             <a:endParaRPr lang="de-DE"/>
           </a:p>
@@ -8534,7 +8729,7 @@
           <a:p>
             <a:fld id="{BA2009A4-99EA-4053-86E0-5C78E3D36413}" type="datetime1">
               <a:rPr lang="de-DE" smtClean="0"/>
-              <a:t>09.08.2012</a:t>
+              <a:t>12.08.2012</a:t>
             </a:fld>
             <a:endParaRPr lang="de-DE"/>
           </a:p>
@@ -8743,7 +8938,7 @@
           <a:p>
             <a:fld id="{F781038A-D4B4-4126-8287-85CF34BA3E41}" type="datetime1">
               <a:rPr lang="de-DE" smtClean="0"/>
-              <a:t>09.08.2012</a:t>
+              <a:t>12.08.2012</a:t>
             </a:fld>
             <a:endParaRPr lang="de-DE"/>
           </a:p>
@@ -9856,7 +10051,7 @@
           <a:p>
             <a:fld id="{F71C6DD2-D544-431D-9D1C-10B67B6A0DCF}" type="datetime1">
               <a:rPr lang="de-DE" smtClean="0"/>
-              <a:t>09.08.2012</a:t>
+              <a:t>12.08.2012</a:t>
             </a:fld>
             <a:endParaRPr lang="de-DE" dirty="0"/>
           </a:p>
@@ -10386,7 +10581,7 @@
           <a:p>
             <a:fld id="{9B98BD4D-6BF2-4875-97EF-D5E165ACD66B}" type="datetime1">
               <a:rPr lang="de-DE" smtClean="0"/>
-              <a:t>09.08.2012</a:t>
+              <a:t>12.08.2012</a:t>
             </a:fld>
             <a:endParaRPr lang="de-DE"/>
           </a:p>
@@ -10542,7 +10737,7 @@
           <a:p>
             <a:fld id="{DF12DD4B-EF3A-4B46-A36A-C8BB907269E8}" type="datetime1">
               <a:rPr lang="de-DE" smtClean="0"/>
-              <a:t>09.08.2012</a:t>
+              <a:t>12.08.2012</a:t>
             </a:fld>
             <a:endParaRPr lang="de-DE"/>
           </a:p>
@@ -10756,7 +10951,7 @@
           <a:p>
             <a:fld id="{44A63244-3503-4ED4-ACB4-8FEAB36B3B88}" type="datetime1">
               <a:rPr lang="de-DE" smtClean="0"/>
-              <a:t>09.08.2012</a:t>
+              <a:t>12.08.2012</a:t>
             </a:fld>
             <a:endParaRPr lang="de-DE"/>
           </a:p>
@@ -11051,7 +11246,7 @@
           <a:p>
             <a:fld id="{44A63244-3503-4ED4-ACB4-8FEAB36B3B88}" type="datetime1">
               <a:rPr lang="de-DE" smtClean="0"/>
-              <a:t>09.08.2012</a:t>
+              <a:t>12.08.2012</a:t>
             </a:fld>
             <a:endParaRPr lang="de-DE"/>
           </a:p>
@@ -11162,7 +11357,7 @@
           <a:p>
             <a:fld id="{9B98BD4D-6BF2-4875-97EF-D5E165ACD66B}" type="datetime1">
               <a:rPr lang="de-DE" smtClean="0"/>
-              <a:t>09.08.2012</a:t>
+              <a:t>12.08.2012</a:t>
             </a:fld>
             <a:endParaRPr lang="de-DE"/>
           </a:p>
@@ -11320,7 +11515,7 @@
             <a:fld id="{44A63244-3503-4ED4-ACB4-8FEAB36B3B88}" type="datetime1">
               <a:rPr lang="de-DE" smtClean="0"/>
               <a:pPr/>
-              <a:t>09.08.2012</a:t>
+              <a:t>12.08.2012</a:t>
             </a:fld>
             <a:endParaRPr lang="de-DE"/>
           </a:p>
@@ -11553,7 +11748,7 @@
           <a:p>
             <a:fld id="{033221D9-D354-4EF9-9F02-0FCAACB7FF10}" type="datetime1">
               <a:rPr lang="de-DE" smtClean="0"/>
-              <a:t>09.08.2012</a:t>
+              <a:t>12.08.2012</a:t>
             </a:fld>
             <a:endParaRPr lang="de-DE"/>
           </a:p>
@@ -11705,7 +11900,7 @@
           <a:p>
             <a:fld id="{033221D9-D354-4EF9-9F02-0FCAACB7FF10}" type="datetime1">
               <a:rPr lang="de-DE" smtClean="0"/>
-              <a:t>09.08.2012</a:t>
+              <a:t>12.08.2012</a:t>
             </a:fld>
             <a:endParaRPr lang="de-DE"/>
           </a:p>
@@ -11943,7 +12138,7 @@
           <a:p>
             <a:fld id="{8901FBCB-A81B-4C18-B006-071855DD7EA6}" type="datetime1">
               <a:rPr lang="de-DE" smtClean="0"/>
-              <a:t>09.08.2012</a:t>
+              <a:t>12.08.2012</a:t>
             </a:fld>
             <a:endParaRPr lang="de-DE"/>
           </a:p>
@@ -12125,7 +12320,7 @@
           <a:p>
             <a:fld id="{501B05A8-2BD4-4626-8AA4-F10EEDB68282}" type="datetime1">
               <a:rPr lang="de-DE" smtClean="0"/>
-              <a:t>09.08.2012</a:t>
+              <a:t>12.08.2012</a:t>
             </a:fld>
             <a:endParaRPr lang="de-DE"/>
           </a:p>
@@ -12339,7 +12534,7 @@
           <a:p>
             <a:fld id="{E726D7A4-2B03-46BB-9C86-ABEAEF2AB5FE}" type="datetime1">
               <a:rPr lang="de-DE" smtClean="0"/>
-              <a:t>09.08.2012</a:t>
+              <a:t>12.08.2012</a:t>
             </a:fld>
             <a:endParaRPr lang="de-DE"/>
           </a:p>
@@ -12521,7 +12716,7 @@
           <a:p>
             <a:fld id="{21EDB019-745C-4C2E-B407-4C6173967862}" type="datetime1">
               <a:rPr lang="de-DE" smtClean="0"/>
-              <a:t>09.08.2012</a:t>
+              <a:t>12.08.2012</a:t>
             </a:fld>
             <a:endParaRPr lang="de-DE"/>
           </a:p>
@@ -12632,7 +12827,7 @@
           <a:p>
             <a:fld id="{9B98BD4D-6BF2-4875-97EF-D5E165ACD66B}" type="datetime1">
               <a:rPr lang="de-DE" smtClean="0"/>
-              <a:t>09.08.2012</a:t>
+              <a:t>12.08.2012</a:t>
             </a:fld>
             <a:endParaRPr lang="de-DE"/>
           </a:p>
@@ -12860,7 +13055,7 @@
           <a:p>
             <a:fld id="{F293D3CC-6874-4C64-B276-BF3E937877D5}" type="datetime1">
               <a:rPr lang="de-DE" smtClean="0"/>
-              <a:t>09.08.2012</a:t>
+              <a:t>12.08.2012</a:t>
             </a:fld>
             <a:endParaRPr lang="de-DE"/>
           </a:p>
@@ -13046,7 +13241,7 @@
           <a:p>
             <a:fld id="{8B2260EE-D2F9-428F-8851-5220AF0B31B0}" type="datetime1">
               <a:rPr lang="de-DE" smtClean="0"/>
-              <a:t>09.08.2012</a:t>
+              <a:t>12.08.2012</a:t>
             </a:fld>
             <a:endParaRPr lang="de-DE"/>
           </a:p>
@@ -13231,7 +13426,7 @@
           <a:p>
             <a:fld id="{DA57E989-068F-43A0-9689-73D7E9CFB0A9}" type="datetime1">
               <a:rPr lang="de-DE" smtClean="0"/>
-              <a:t>09.08.2012</a:t>
+              <a:t>12.08.2012</a:t>
             </a:fld>
             <a:endParaRPr lang="de-DE"/>
           </a:p>
@@ -13513,7 +13708,7 @@
           <a:p>
             <a:fld id="{DA57E989-068F-43A0-9689-73D7E9CFB0A9}" type="datetime1">
               <a:rPr lang="de-DE" smtClean="0"/>
-              <a:t>09.08.2012</a:t>
+              <a:t>12.08.2012</a:t>
             </a:fld>
             <a:endParaRPr lang="de-DE"/>
           </a:p>
@@ -13706,7 +13901,7 @@
           <a:p>
             <a:fld id="{DA57E989-068F-43A0-9689-73D7E9CFB0A9}" type="datetime1">
               <a:rPr lang="de-DE" smtClean="0"/>
-              <a:t>09.08.2012</a:t>
+              <a:t>12.08.2012</a:t>
             </a:fld>
             <a:endParaRPr lang="de-DE"/>
           </a:p>
@@ -13897,7 +14092,7 @@
           <a:p>
             <a:fld id="{B51C9897-20A4-4C20-9F35-E1951D6FC7F1}" type="datetime1">
               <a:rPr lang="de-DE" smtClean="0"/>
-              <a:t>09.08.2012</a:t>
+              <a:t>12.08.2012</a:t>
             </a:fld>
             <a:endParaRPr lang="de-DE"/>
           </a:p>
@@ -14074,7 +14269,7 @@
           <a:p>
             <a:fld id="{44A63244-3503-4ED4-ACB4-8FEAB36B3B88}" type="datetime1">
               <a:rPr lang="de-DE" smtClean="0"/>
-              <a:t>09.08.2012</a:t>
+              <a:t>12.08.2012</a:t>
             </a:fld>
             <a:endParaRPr lang="de-DE"/>
           </a:p>

--- a/doc/media/ba_praesentation.pptx
+++ b/doc/media/ba_praesentation.pptx
@@ -3085,7 +3085,7 @@
           <a:p>
             <a:fld id="{5F9A2183-D90D-4B3F-BB63-9657262DF432}" type="datetimeFigureOut">
               <a:rPr lang="de-CH" smtClean="0"/>
-              <a:t>12.08.2012</a:t>
+              <a:t>13.08.2012</a:t>
             </a:fld>
             <a:endParaRPr lang="de-CH"/>
           </a:p>
@@ -4077,11 +4077,7 @@
             </a:pPr>
             <a:r>
               <a:rPr lang="de-CH" dirty="0" smtClean="0"/>
-              <a:t>Demonstration </a:t>
-            </a:r>
-            <a:r>
-              <a:rPr lang="de-CH" dirty="0" smtClean="0"/>
-              <a:t>Machbarkeit</a:t>
+              <a:t>Demonstration Machbarkeit</a:t>
             </a:r>
           </a:p>
           <a:p>
@@ -4457,11 +4453,7 @@
             </a:pPr>
             <a:r>
               <a:rPr lang="de-CH" baseline="0" dirty="0" smtClean="0"/>
-              <a:t>App </a:t>
-            </a:r>
-            <a:r>
-              <a:rPr lang="de-CH" baseline="0" dirty="0" smtClean="0"/>
-              <a:t>benötigt Service, z.B. File Service</a:t>
+              <a:t>App benötigt Service, z.B. File Service</a:t>
             </a:r>
           </a:p>
           <a:p>
@@ -4653,69 +4645,78 @@
             </a:r>
           </a:p>
           <a:p>
+            <a:r>
+              <a:rPr lang="de-CH" dirty="0" smtClean="0"/>
+              <a:t>HW/SW Evaluation: Viele </a:t>
+            </a:r>
+            <a:r>
+              <a:rPr lang="de-CH" dirty="0" smtClean="0"/>
+              <a:t>Monitore, hohe Auflösung mit </a:t>
+            </a:r>
+            <a:r>
+              <a:rPr lang="de-CH" dirty="0" smtClean="0"/>
+              <a:t>WPF, Grafikkarten </a:t>
+            </a:r>
+            <a:r>
+              <a:rPr lang="de-CH" dirty="0" smtClean="0"/>
+              <a:t>Konfiguration</a:t>
+            </a:r>
+          </a:p>
+          <a:p>
+            <a:r>
+              <a:rPr lang="de-CH" dirty="0" smtClean="0"/>
+              <a:t>Interaktionskonzept </a:t>
+            </a:r>
+            <a:r>
+              <a:rPr lang="de-CH" dirty="0" err="1" smtClean="0"/>
+              <a:t>Kinect</a:t>
+            </a:r>
+            <a:r>
+              <a:rPr lang="de-CH" dirty="0" smtClean="0"/>
+              <a:t>, API nicht ausgereift, fast</a:t>
+            </a:r>
+            <a:r>
+              <a:rPr lang="de-CH" baseline="0" dirty="0" smtClean="0"/>
+              <a:t> keine Libraries</a:t>
+            </a:r>
             <a:endParaRPr lang="de-CH" dirty="0" smtClean="0"/>
           </a:p>
           <a:p>
             <a:r>
               <a:rPr lang="de-CH" dirty="0" smtClean="0"/>
-              <a:t>Viele verschiedene Bereiche</a:t>
-            </a:r>
-          </a:p>
-          <a:p>
+              <a:t>Dokumentation z.B</a:t>
+            </a:r>
             <a:r>
               <a:rPr lang="de-CH" dirty="0" smtClean="0"/>
-              <a:t>HW / SW Evaluation</a:t>
-            </a:r>
-          </a:p>
-          <a:p>
-            <a:pPr lvl="1"/>
+              <a:t>. Demomodus Ideen dokumentiert</a:t>
+            </a:r>
+          </a:p>
+          <a:p>
             <a:r>
               <a:rPr lang="de-CH" dirty="0" smtClean="0"/>
-              <a:t>Viele Monitore, hohe Auflösung mit WPF</a:t>
-            </a:r>
-          </a:p>
-          <a:p>
-            <a:pPr lvl="1"/>
+              <a:t>Viele Personen &amp; </a:t>
+            </a:r>
             <a:r>
               <a:rPr lang="de-CH" dirty="0" smtClean="0"/>
-              <a:t>Grafikkarten Konfiguration</a:t>
-            </a:r>
-          </a:p>
-          <a:p>
+              <a:t>Meinungen Betreuer, </a:t>
+            </a:r>
+            <a:r>
+              <a:rPr lang="de-CH" dirty="0" err="1" smtClean="0"/>
+              <a:t>Usability</a:t>
+            </a:r>
             <a:r>
               <a:rPr lang="de-CH" dirty="0" smtClean="0"/>
-              <a:t>Neues Interaktionskonzept mit Kinect</a:t>
-            </a:r>
-          </a:p>
-          <a:p>
-            <a:r>
-              <a:rPr lang="de-CH" dirty="0" smtClean="0"/>
-              <a:t>Software Engineering VS </a:t>
-            </a:r>
-            <a:r>
-              <a:rPr lang="de-CH" dirty="0" err="1" smtClean="0"/>
-              <a:t>Prototyping</a:t>
+              <a:t> Experte,</a:t>
+            </a:r>
+            <a:r>
+              <a:rPr lang="de-CH" baseline="0" dirty="0" smtClean="0"/>
+              <a:t> Hr. Heinzmann wirtschaftliche Sicht, </a:t>
+            </a:r>
+            <a:r>
+              <a:rPr lang="de-CH" baseline="0" smtClean="0"/>
+              <a:t>Institut Codeanforderungen</a:t>
             </a:r>
             <a:endParaRPr lang="de-CH" dirty="0" smtClean="0"/>
-          </a:p>
-          <a:p>
-            <a:r>
-              <a:rPr lang="de-CH" dirty="0" smtClean="0"/>
-              <a:t>Dokumentation</a:t>
-            </a:r>
-          </a:p>
-          <a:p>
-            <a:pPr lvl="1"/>
-            <a:r>
-              <a:rPr lang="de-CH" dirty="0" smtClean="0"/>
-              <a:t>Z.B. Demomodus Ideen dokumentiert</a:t>
-            </a:r>
-          </a:p>
-          <a:p>
-            <a:r>
-              <a:rPr lang="de-CH" smtClean="0"/>
-              <a:t>Viele Personen &amp; Meinungen</a:t>
-            </a:r>
           </a:p>
           <a:p>
             <a:endParaRPr lang="de-CH" dirty="0"/>
@@ -5164,76 +5165,37 @@
               <a:rPr lang="de-CH" dirty="0" smtClean="0"/>
               <a:t>Grundanforderung Poster darstellen, Aufgabenstellung geändert.</a:t>
             </a:r>
-            <a:endParaRPr lang="de-CH" dirty="0" smtClean="0"/>
           </a:p>
           <a:p>
             <a:pPr lvl="1"/>
             <a:r>
               <a:rPr lang="de-CH" dirty="0" smtClean="0"/>
-              <a:t>Kinect</a:t>
-            </a:r>
+              <a:t>Kinect, Interaktionstechniken</a:t>
+            </a:r>
+          </a:p>
+          <a:p>
+            <a:pPr lvl="1"/>
             <a:r>
               <a:rPr lang="de-CH" dirty="0" smtClean="0"/>
-              <a:t>, </a:t>
-            </a:r>
+              <a:t>SW/HW Konfiguration, Poster Studie</a:t>
+            </a:r>
+          </a:p>
+          <a:p>
             <a:r>
               <a:rPr lang="de-CH" dirty="0" smtClean="0"/>
-              <a:t>Interaktionstechniken</a:t>
-            </a:r>
-          </a:p>
-          <a:p>
-            <a:pPr lvl="1"/>
+              <a:t>Wartung: Konzept CMS</a:t>
+            </a:r>
+          </a:p>
+          <a:p>
             <a:r>
               <a:rPr lang="de-CH" dirty="0" smtClean="0"/>
-              <a:t>SW/HW Konfiguration, </a:t>
-            </a:r>
+              <a:t>Erweiterbarkeit: Andere Medien auf Videowall</a:t>
+            </a:r>
+          </a:p>
+          <a:p>
             <a:r>
               <a:rPr lang="de-CH" dirty="0" smtClean="0"/>
-              <a:t>Poster </a:t>
-            </a:r>
-            <a:r>
-              <a:rPr lang="de-CH" dirty="0" smtClean="0"/>
-              <a:t>Studie</a:t>
-            </a:r>
-            <a:endParaRPr lang="de-CH" dirty="0" smtClean="0"/>
-          </a:p>
-          <a:p>
-            <a:r>
-              <a:rPr lang="de-CH" dirty="0" smtClean="0"/>
-              <a:t>Wartung</a:t>
-            </a:r>
-            <a:r>
-              <a:rPr lang="de-CH" dirty="0" smtClean="0"/>
-              <a:t>: </a:t>
-            </a:r>
-            <a:r>
-              <a:rPr lang="de-CH" dirty="0" smtClean="0"/>
-              <a:t>Konzept CMS</a:t>
-            </a:r>
-            <a:endParaRPr lang="de-CH" dirty="0" smtClean="0"/>
-          </a:p>
-          <a:p>
-            <a:r>
-              <a:rPr lang="de-CH" dirty="0" smtClean="0"/>
-              <a:t>Erweiterbarkeit</a:t>
-            </a:r>
-            <a:r>
-              <a:rPr lang="de-CH" dirty="0" smtClean="0"/>
-              <a:t>: Andere Medien auf </a:t>
-            </a:r>
-            <a:r>
-              <a:rPr lang="de-CH" dirty="0" smtClean="0"/>
-              <a:t>Videowall</a:t>
-            </a:r>
-          </a:p>
-          <a:p>
-            <a:r>
-              <a:rPr lang="de-CH" dirty="0" smtClean="0"/>
-              <a:t>Technischer </a:t>
-            </a:r>
-            <a:r>
-              <a:rPr lang="de-CH" dirty="0" smtClean="0"/>
-              <a:t>Prototyp: gute Wartbarkeit, </a:t>
+              <a:t>Technischer Prototyp: gute Wartbarkeit, </a:t>
             </a:r>
             <a:r>
               <a:rPr lang="de-CH" dirty="0" err="1" smtClean="0"/>
@@ -5341,11 +5303,43 @@
           <a:p>
             <a:r>
               <a:rPr lang="de-CH" dirty="0" smtClean="0"/>
-              <a:t>Risiken:</a:t>
+              <a:t>Kombiniert? Weil für</a:t>
             </a:r>
             <a:r>
               <a:rPr lang="de-CH" baseline="0" dirty="0" smtClean="0"/>
-              <a:t> zu Beginn minimiert</a:t>
+              <a:t> versch. Aspekte </a:t>
+            </a:r>
+            <a:r>
+              <a:rPr lang="de-CH" dirty="0" smtClean="0"/>
+              <a:t>versch. Vorgehen</a:t>
+            </a:r>
+          </a:p>
+          <a:p>
+            <a:r>
+              <a:rPr lang="de-CH" dirty="0" smtClean="0"/>
+              <a:t>UCD: hohe </a:t>
+            </a:r>
+            <a:r>
+              <a:rPr lang="de-CH" dirty="0" err="1" smtClean="0"/>
+              <a:t>Usability</a:t>
+            </a:r>
+            <a:r>
+              <a:rPr lang="de-CH" dirty="0" smtClean="0"/>
+              <a:t>, Nutzer im Mittelpunkt</a:t>
+            </a:r>
+          </a:p>
+          <a:p>
+            <a:r>
+              <a:rPr lang="de-CH" baseline="0" dirty="0" smtClean="0"/>
+              <a:t>zu </a:t>
+            </a:r>
+            <a:r>
+              <a:rPr lang="de-CH" baseline="0" dirty="0" smtClean="0"/>
+              <a:t>Beginn </a:t>
+            </a:r>
+            <a:r>
+              <a:rPr lang="de-CH" baseline="0" dirty="0" smtClean="0"/>
+              <a:t>Risiken minimiert -&gt; Überlappung User Stories</a:t>
             </a:r>
             <a:endParaRPr lang="de-CH" dirty="0"/>
           </a:p>
@@ -5439,37 +5433,17 @@
           <a:p>
             <a:r>
               <a:rPr lang="de-CH" dirty="0" smtClean="0"/>
-              <a:t>Wizard </a:t>
-            </a:r>
-            <a:r>
-              <a:rPr lang="de-CH" dirty="0" err="1" smtClean="0"/>
-              <a:t>of</a:t>
-            </a:r>
+              <a:t>Fragebögen</a:t>
+            </a:r>
+          </a:p>
+          <a:p>
             <a:r>
               <a:rPr lang="de-CH" dirty="0" smtClean="0"/>
-              <a:t> Oz, </a:t>
-            </a:r>
-            <a:r>
-              <a:rPr lang="de-CH" dirty="0" err="1" smtClean="0"/>
-              <a:t>Usability</a:t>
-            </a:r>
-            <a:r>
-              <a:rPr lang="de-CH" dirty="0" smtClean="0"/>
-              <a:t> Tests</a:t>
-            </a:r>
-          </a:p>
-          <a:p>
-            <a:r>
-              <a:rPr lang="de-CH" dirty="0" smtClean="0"/>
-              <a:t>verschiedene </a:t>
-            </a:r>
-            <a:r>
-              <a:rPr lang="de-CH" dirty="0" err="1" smtClean="0"/>
-              <a:t>Personas</a:t>
-            </a:r>
-            <a:r>
-              <a:rPr lang="de-CH" dirty="0" smtClean="0"/>
-              <a:t> aufsagen…</a:t>
+              <a:t>Aus Antworten fiktive</a:t>
+            </a:r>
+            <a:r>
+              <a:rPr lang="de-CH" baseline="0" dirty="0" smtClean="0"/>
+              <a:t> Personen</a:t>
             </a:r>
             <a:endParaRPr lang="de-CH" dirty="0"/>
           </a:p>
@@ -5563,37 +5537,19 @@
           <a:p>
             <a:r>
               <a:rPr lang="de-CH" dirty="0" smtClean="0"/>
-              <a:t>Wizard </a:t>
-            </a:r>
-            <a:r>
-              <a:rPr lang="de-CH" dirty="0" err="1" smtClean="0"/>
-              <a:t>of</a:t>
-            </a:r>
-            <a:r>
-              <a:rPr lang="de-CH" dirty="0" smtClean="0"/>
-              <a:t> Oz, </a:t>
-            </a:r>
-            <a:r>
-              <a:rPr lang="de-CH" dirty="0" err="1" smtClean="0"/>
-              <a:t>Usability</a:t>
-            </a:r>
-            <a:r>
-              <a:rPr lang="de-CH" dirty="0" smtClean="0"/>
-              <a:t> Tests</a:t>
-            </a:r>
-          </a:p>
-          <a:p>
-            <a:r>
-              <a:rPr lang="de-CH" dirty="0" smtClean="0"/>
-              <a:t>verschiedene </a:t>
-            </a:r>
-            <a:r>
-              <a:rPr lang="de-CH" dirty="0" err="1" smtClean="0"/>
-              <a:t>Personas</a:t>
-            </a:r>
-            <a:r>
-              <a:rPr lang="de-CH" dirty="0" smtClean="0"/>
-              <a:t> aufsagen…</a:t>
+              <a:t>Tech. Möglichkeiten abgeklärt -&gt; Ausleuchtung</a:t>
+            </a:r>
+            <a:r>
+              <a:rPr lang="de-CH" baseline="0" dirty="0" smtClean="0"/>
+              <a:t> </a:t>
+            </a:r>
+            <a:r>
+              <a:rPr lang="de-CH" baseline="0" dirty="0" err="1" smtClean="0"/>
+              <a:t>Kinect</a:t>
+            </a:r>
+            <a:r>
+              <a:rPr lang="de-CH" baseline="0" dirty="0" smtClean="0"/>
+              <a:t> (Spezifikation zu wenig genau, daher Tests, schnelles Erkennen möglich?</a:t>
             </a:r>
             <a:endParaRPr lang="de-CH" dirty="0"/>
           </a:p>
@@ -5687,6 +5643,33 @@
           <a:p>
             <a:r>
               <a:rPr lang="de-CH" dirty="0" smtClean="0"/>
+              <a:t>An </a:t>
+            </a:r>
+            <a:r>
+              <a:rPr lang="de-CH" dirty="0" err="1" smtClean="0"/>
+              <a:t>Kinect</a:t>
+            </a:r>
+            <a:r>
+              <a:rPr lang="de-CH" dirty="0" smtClean="0"/>
+              <a:t> Xbox</a:t>
+            </a:r>
+            <a:r>
+              <a:rPr lang="de-CH" baseline="0" dirty="0" smtClean="0"/>
+              <a:t> orientiert</a:t>
+            </a:r>
+            <a:endParaRPr lang="de-CH" dirty="0" smtClean="0"/>
+          </a:p>
+          <a:p>
+            <a:r>
+              <a:rPr lang="de-CH" dirty="0" smtClean="0"/>
+              <a:t>Ausgewählte Technik</a:t>
+            </a:r>
+            <a:r>
+              <a:rPr lang="de-CH" baseline="0" dirty="0" smtClean="0"/>
+              <a:t> getestet: </a:t>
+            </a:r>
+            <a:r>
+              <a:rPr lang="de-CH" dirty="0" smtClean="0"/>
               <a:t>Wizard </a:t>
             </a:r>
             <a:r>
@@ -5697,6 +5680,13 @@
               <a:rPr lang="de-CH" dirty="0" smtClean="0"/>
               <a:t> Oz, </a:t>
             </a:r>
+            <a:endParaRPr lang="de-CH" dirty="0" smtClean="0"/>
+          </a:p>
+          <a:p>
+            <a:r>
+              <a:rPr lang="de-CH" dirty="0" smtClean="0"/>
+              <a:t>verfeinert: </a:t>
+            </a:r>
             <a:r>
               <a:rPr lang="de-CH" dirty="0" err="1" smtClean="0"/>
               <a:t>Usability</a:t>
@@ -5705,31 +5695,6 @@
               <a:rPr lang="de-CH" dirty="0" smtClean="0"/>
               <a:t> Tests</a:t>
             </a:r>
-          </a:p>
-          <a:p>
-            <a:pPr marL="0" marR="0" lvl="1" indent="0" algn="l" defTabSz="914400" rtl="0" eaLnBrk="1" fontAlgn="auto" latinLnBrk="0" hangingPunct="1">
-              <a:lnSpc>
-                <a:spcPct val="100000"/>
-              </a:lnSpc>
-              <a:spcBef>
-                <a:spcPts val="0"/>
-              </a:spcBef>
-              <a:spcAft>
-                <a:spcPts val="0"/>
-              </a:spcAft>
-              <a:buClrTx/>
-              <a:buSzTx/>
-              <a:buFontTx/>
-              <a:buNone/>
-              <a:tabLst/>
-              <a:defRPr/>
-            </a:pPr>
-            <a:r>
-              <a:rPr lang="de-CH" dirty="0" smtClean="0"/>
-              <a:t>Definieren, Bewerten, Verfeinern</a:t>
-            </a:r>
-          </a:p>
-          <a:p>
             <a:endParaRPr lang="de-CH" dirty="0"/>
           </a:p>
         </p:txBody>
@@ -5817,6 +5782,18 @@
             <a:r>
               <a:rPr lang="de-CH" dirty="0" smtClean="0"/>
               <a:t>Delia</a:t>
+            </a:r>
+          </a:p>
+          <a:p>
+            <a:r>
+              <a:rPr lang="de-CH" dirty="0" smtClean="0"/>
+              <a:t>Nutzer im Zentrum</a:t>
+            </a:r>
+          </a:p>
+          <a:p>
+            <a:r>
+              <a:rPr lang="de-CH" dirty="0" smtClean="0"/>
+              <a:t>-&gt; Lukas mit Videowall Evaluation (Aufgabenpunkt)</a:t>
             </a:r>
             <a:endParaRPr lang="de-CH" dirty="0"/>
           </a:p>
@@ -6571,7 +6548,7 @@
           <a:p>
             <a:fld id="{6F2A06C8-D356-4E2D-A3FC-A5BA579B68BB}" type="datetime1">
               <a:rPr lang="de-DE" smtClean="0"/>
-              <a:t>12.08.2012</a:t>
+              <a:t>13.08.2012</a:t>
             </a:fld>
             <a:endParaRPr lang="de-DE" dirty="0"/>
           </a:p>
@@ -6778,7 +6755,7 @@
           <a:p>
             <a:fld id="{05742AA1-CEDB-43CB-92DC-F9063507D782}" type="datetime1">
               <a:rPr lang="de-DE" smtClean="0"/>
-              <a:t>12.08.2012</a:t>
+              <a:t>13.08.2012</a:t>
             </a:fld>
             <a:endParaRPr lang="de-DE"/>
           </a:p>
@@ -6967,7 +6944,7 @@
           <a:p>
             <a:fld id="{A8B0B602-BCF7-4DE7-846E-CE7E0F015D53}" type="datetime1">
               <a:rPr lang="de-DE" smtClean="0"/>
-              <a:t>12.08.2012</a:t>
+              <a:t>13.08.2012</a:t>
             </a:fld>
             <a:endParaRPr lang="de-DE"/>
           </a:p>
@@ -7121,7 +7098,7 @@
           <a:p>
             <a:fld id="{9B98BD4D-6BF2-4875-97EF-D5E165ACD66B}" type="datetime1">
               <a:rPr lang="de-DE" smtClean="0"/>
-              <a:t>12.08.2012</a:t>
+              <a:t>13.08.2012</a:t>
             </a:fld>
             <a:endParaRPr lang="de-DE"/>
           </a:p>
@@ -7394,7 +7371,7 @@
           <a:p>
             <a:fld id="{A41B53CD-5114-4059-BA6C-4406A9EA28EE}" type="datetime1">
               <a:rPr lang="de-DE" smtClean="0"/>
-              <a:t>12.08.2012</a:t>
+              <a:t>13.08.2012</a:t>
             </a:fld>
             <a:endParaRPr lang="de-DE"/>
           </a:p>
@@ -7814,7 +7791,7 @@
           <a:p>
             <a:fld id="{93CCBD64-6497-42B6-8412-3D797F93EDAE}" type="datetime1">
               <a:rPr lang="de-DE" smtClean="0"/>
-              <a:t>12.08.2012</a:t>
+              <a:t>13.08.2012</a:t>
             </a:fld>
             <a:endParaRPr lang="de-DE"/>
           </a:p>
@@ -8264,7 +8241,7 @@
           <a:p>
             <a:fld id="{169F4195-6FF7-4858-B281-A8EB06BBD328}" type="datetime1">
               <a:rPr lang="de-DE" smtClean="0"/>
-              <a:t>12.08.2012</a:t>
+              <a:t>13.08.2012</a:t>
             </a:fld>
             <a:endParaRPr lang="de-DE"/>
           </a:p>
@@ -8369,7 +8346,7 @@
           <a:p>
             <a:fld id="{7EF3F7B4-0A67-475F-9F09-AD875216919C}" type="datetime1">
               <a:rPr lang="de-DE" smtClean="0"/>
-              <a:t>12.08.2012</a:t>
+              <a:t>13.08.2012</a:t>
             </a:fld>
             <a:endParaRPr lang="de-DE"/>
           </a:p>
@@ -8729,7 +8706,7 @@
           <a:p>
             <a:fld id="{BA2009A4-99EA-4053-86E0-5C78E3D36413}" type="datetime1">
               <a:rPr lang="de-DE" smtClean="0"/>
-              <a:t>12.08.2012</a:t>
+              <a:t>13.08.2012</a:t>
             </a:fld>
             <a:endParaRPr lang="de-DE"/>
           </a:p>
@@ -8938,7 +8915,7 @@
           <a:p>
             <a:fld id="{F781038A-D4B4-4126-8287-85CF34BA3E41}" type="datetime1">
               <a:rPr lang="de-DE" smtClean="0"/>
-              <a:t>12.08.2012</a:t>
+              <a:t>13.08.2012</a:t>
             </a:fld>
             <a:endParaRPr lang="de-DE"/>
           </a:p>
@@ -10051,7 +10028,7 @@
           <a:p>
             <a:fld id="{F71C6DD2-D544-431D-9D1C-10B67B6A0DCF}" type="datetime1">
               <a:rPr lang="de-DE" smtClean="0"/>
-              <a:t>12.08.2012</a:t>
+              <a:t>13.08.2012</a:t>
             </a:fld>
             <a:endParaRPr lang="de-DE" dirty="0"/>
           </a:p>
@@ -10581,7 +10558,7 @@
           <a:p>
             <a:fld id="{9B98BD4D-6BF2-4875-97EF-D5E165ACD66B}" type="datetime1">
               <a:rPr lang="de-DE" smtClean="0"/>
-              <a:t>12.08.2012</a:t>
+              <a:t>13.08.2012</a:t>
             </a:fld>
             <a:endParaRPr lang="de-DE"/>
           </a:p>
@@ -10737,7 +10714,7 @@
           <a:p>
             <a:fld id="{DF12DD4B-EF3A-4B46-A36A-C8BB907269E8}" type="datetime1">
               <a:rPr lang="de-DE" smtClean="0"/>
-              <a:t>12.08.2012</a:t>
+              <a:t>13.08.2012</a:t>
             </a:fld>
             <a:endParaRPr lang="de-DE"/>
           </a:p>
@@ -10951,7 +10928,7 @@
           <a:p>
             <a:fld id="{44A63244-3503-4ED4-ACB4-8FEAB36B3B88}" type="datetime1">
               <a:rPr lang="de-DE" smtClean="0"/>
-              <a:t>12.08.2012</a:t>
+              <a:t>13.08.2012</a:t>
             </a:fld>
             <a:endParaRPr lang="de-DE"/>
           </a:p>
@@ -11246,7 +11223,7 @@
           <a:p>
             <a:fld id="{44A63244-3503-4ED4-ACB4-8FEAB36B3B88}" type="datetime1">
               <a:rPr lang="de-DE" smtClean="0"/>
-              <a:t>12.08.2012</a:t>
+              <a:t>13.08.2012</a:t>
             </a:fld>
             <a:endParaRPr lang="de-DE"/>
           </a:p>
@@ -11357,7 +11334,7 @@
           <a:p>
             <a:fld id="{9B98BD4D-6BF2-4875-97EF-D5E165ACD66B}" type="datetime1">
               <a:rPr lang="de-DE" smtClean="0"/>
-              <a:t>12.08.2012</a:t>
+              <a:t>13.08.2012</a:t>
             </a:fld>
             <a:endParaRPr lang="de-DE"/>
           </a:p>
@@ -11515,7 +11492,7 @@
             <a:fld id="{44A63244-3503-4ED4-ACB4-8FEAB36B3B88}" type="datetime1">
               <a:rPr lang="de-DE" smtClean="0"/>
               <a:pPr/>
-              <a:t>12.08.2012</a:t>
+              <a:t>13.08.2012</a:t>
             </a:fld>
             <a:endParaRPr lang="de-DE"/>
           </a:p>
@@ -11748,7 +11725,7 @@
           <a:p>
             <a:fld id="{033221D9-D354-4EF9-9F02-0FCAACB7FF10}" type="datetime1">
               <a:rPr lang="de-DE" smtClean="0"/>
-              <a:t>12.08.2012</a:t>
+              <a:t>13.08.2012</a:t>
             </a:fld>
             <a:endParaRPr lang="de-DE"/>
           </a:p>
@@ -11900,7 +11877,7 @@
           <a:p>
             <a:fld id="{033221D9-D354-4EF9-9F02-0FCAACB7FF10}" type="datetime1">
               <a:rPr lang="de-DE" smtClean="0"/>
-              <a:t>12.08.2012</a:t>
+              <a:t>13.08.2012</a:t>
             </a:fld>
             <a:endParaRPr lang="de-DE"/>
           </a:p>
@@ -12138,7 +12115,7 @@
           <a:p>
             <a:fld id="{8901FBCB-A81B-4C18-B006-071855DD7EA6}" type="datetime1">
               <a:rPr lang="de-DE" smtClean="0"/>
-              <a:t>12.08.2012</a:t>
+              <a:t>13.08.2012</a:t>
             </a:fld>
             <a:endParaRPr lang="de-DE"/>
           </a:p>
@@ -12320,7 +12297,7 @@
           <a:p>
             <a:fld id="{501B05A8-2BD4-4626-8AA4-F10EEDB68282}" type="datetime1">
               <a:rPr lang="de-DE" smtClean="0"/>
-              <a:t>12.08.2012</a:t>
+              <a:t>13.08.2012</a:t>
             </a:fld>
             <a:endParaRPr lang="de-DE"/>
           </a:p>
@@ -12534,7 +12511,7 @@
           <a:p>
             <a:fld id="{E726D7A4-2B03-46BB-9C86-ABEAEF2AB5FE}" type="datetime1">
               <a:rPr lang="de-DE" smtClean="0"/>
-              <a:t>12.08.2012</a:t>
+              <a:t>13.08.2012</a:t>
             </a:fld>
             <a:endParaRPr lang="de-DE"/>
           </a:p>
@@ -12716,7 +12693,7 @@
           <a:p>
             <a:fld id="{21EDB019-745C-4C2E-B407-4C6173967862}" type="datetime1">
               <a:rPr lang="de-DE" smtClean="0"/>
-              <a:t>12.08.2012</a:t>
+              <a:t>13.08.2012</a:t>
             </a:fld>
             <a:endParaRPr lang="de-DE"/>
           </a:p>
@@ -12827,7 +12804,7 @@
           <a:p>
             <a:fld id="{9B98BD4D-6BF2-4875-97EF-D5E165ACD66B}" type="datetime1">
               <a:rPr lang="de-DE" smtClean="0"/>
-              <a:t>12.08.2012</a:t>
+              <a:t>13.08.2012</a:t>
             </a:fld>
             <a:endParaRPr lang="de-DE"/>
           </a:p>
@@ -13055,7 +13032,7 @@
           <a:p>
             <a:fld id="{F293D3CC-6874-4C64-B276-BF3E937877D5}" type="datetime1">
               <a:rPr lang="de-DE" smtClean="0"/>
-              <a:t>12.08.2012</a:t>
+              <a:t>13.08.2012</a:t>
             </a:fld>
             <a:endParaRPr lang="de-DE"/>
           </a:p>
@@ -13241,7 +13218,7 @@
           <a:p>
             <a:fld id="{8B2260EE-D2F9-428F-8851-5220AF0B31B0}" type="datetime1">
               <a:rPr lang="de-DE" smtClean="0"/>
-              <a:t>12.08.2012</a:t>
+              <a:t>13.08.2012</a:t>
             </a:fld>
             <a:endParaRPr lang="de-DE"/>
           </a:p>
@@ -13426,7 +13403,7 @@
           <a:p>
             <a:fld id="{DA57E989-068F-43A0-9689-73D7E9CFB0A9}" type="datetime1">
               <a:rPr lang="de-DE" smtClean="0"/>
-              <a:t>12.08.2012</a:t>
+              <a:t>13.08.2012</a:t>
             </a:fld>
             <a:endParaRPr lang="de-DE"/>
           </a:p>
@@ -13708,7 +13685,7 @@
           <a:p>
             <a:fld id="{DA57E989-068F-43A0-9689-73D7E9CFB0A9}" type="datetime1">
               <a:rPr lang="de-DE" smtClean="0"/>
-              <a:t>12.08.2012</a:t>
+              <a:t>13.08.2012</a:t>
             </a:fld>
             <a:endParaRPr lang="de-DE"/>
           </a:p>
@@ -13901,7 +13878,7 @@
           <a:p>
             <a:fld id="{DA57E989-068F-43A0-9689-73D7E9CFB0A9}" type="datetime1">
               <a:rPr lang="de-DE" smtClean="0"/>
-              <a:t>12.08.2012</a:t>
+              <a:t>13.08.2012</a:t>
             </a:fld>
             <a:endParaRPr lang="de-DE"/>
           </a:p>
@@ -14092,7 +14069,7 @@
           <a:p>
             <a:fld id="{B51C9897-20A4-4C20-9F35-E1951D6FC7F1}" type="datetime1">
               <a:rPr lang="de-DE" smtClean="0"/>
-              <a:t>12.08.2012</a:t>
+              <a:t>13.08.2012</a:t>
             </a:fld>
             <a:endParaRPr lang="de-DE"/>
           </a:p>
@@ -14269,7 +14246,7 @@
           <a:p>
             <a:fld id="{44A63244-3503-4ED4-ACB4-8FEAB36B3B88}" type="datetime1">
               <a:rPr lang="de-DE" smtClean="0"/>
-              <a:t>12.08.2012</a:t>
+              <a:t>13.08.2012</a:t>
             </a:fld>
             <a:endParaRPr lang="de-DE"/>
           </a:p>
